--- a/Presenations/Upcoming Talk Drafts/2023_Accessibility Testing.pptx
+++ b/Presenations/Upcoming Talk Drafts/2023_Accessibility Testing.pptx
@@ -5789,7 +5789,7 @@
           <a:p>
             <a:fld id="{BEFAACEF-CC9A-483E-9B56-DECAFB57975A}" type="datetimeFigureOut">
               <a:rPr lang="en-US" smtClean="0"/>
-              <a:t>4/16/2023</a:t>
+              <a:t>4/18/2023</a:t>
             </a:fld>
             <a:endParaRPr lang="en-US"/>
           </a:p>
@@ -6358,7 +6358,7 @@
           <a:p>
             <a:fld id="{FA8F589A-1A1B-4186-A2FF-DC30B0765117}" type="datetimeFigureOut">
               <a:rPr lang="en-US" smtClean="0"/>
-              <a:t>4/16/2023</a:t>
+              <a:t>4/18/2023</a:t>
             </a:fld>
             <a:endParaRPr lang="en-US"/>
           </a:p>
@@ -6630,7 +6630,7 @@
           <a:p>
             <a:fld id="{FA8F589A-1A1B-4186-A2FF-DC30B0765117}" type="datetimeFigureOut">
               <a:rPr lang="en-US" smtClean="0"/>
-              <a:t>4/16/2023</a:t>
+              <a:t>4/18/2023</a:t>
             </a:fld>
             <a:endParaRPr lang="en-US"/>
           </a:p>
@@ -6861,7 +6861,7 @@
           <a:p>
             <a:fld id="{FA8F589A-1A1B-4186-A2FF-DC30B0765117}" type="datetimeFigureOut">
               <a:rPr lang="en-US" smtClean="0"/>
-              <a:t>4/16/2023</a:t>
+              <a:t>4/18/2023</a:t>
             </a:fld>
             <a:endParaRPr lang="en-US"/>
           </a:p>
@@ -7171,7 +7171,7 @@
           <a:p>
             <a:fld id="{FA8F589A-1A1B-4186-A2FF-DC30B0765117}" type="datetimeFigureOut">
               <a:rPr lang="en-US" smtClean="0"/>
-              <a:t>4/16/2023</a:t>
+              <a:t>4/18/2023</a:t>
             </a:fld>
             <a:endParaRPr lang="en-US"/>
           </a:p>
@@ -7644,7 +7644,7 @@
           <a:p>
             <a:fld id="{FA8F589A-1A1B-4186-A2FF-DC30B0765117}" type="datetimeFigureOut">
               <a:rPr lang="en-US" smtClean="0"/>
-              <a:t>4/16/2023</a:t>
+              <a:t>4/18/2023</a:t>
             </a:fld>
             <a:endParaRPr lang="en-US"/>
           </a:p>
@@ -8191,7 +8191,7 @@
           <a:p>
             <a:fld id="{FA8F589A-1A1B-4186-A2FF-DC30B0765117}" type="datetimeFigureOut">
               <a:rPr lang="en-US" smtClean="0"/>
-              <a:t>4/16/2023</a:t>
+              <a:t>4/18/2023</a:t>
             </a:fld>
             <a:endParaRPr lang="en-US"/>
           </a:p>
@@ -8965,7 +8965,7 @@
           <a:p>
             <a:fld id="{FA8F589A-1A1B-4186-A2FF-DC30B0765117}" type="datetimeFigureOut">
               <a:rPr lang="en-US" smtClean="0"/>
-              <a:t>4/16/2023</a:t>
+              <a:t>4/18/2023</a:t>
             </a:fld>
             <a:endParaRPr lang="en-US"/>
           </a:p>
@@ -9140,7 +9140,7 @@
           <a:p>
             <a:fld id="{FA8F589A-1A1B-4186-A2FF-DC30B0765117}" type="datetimeFigureOut">
               <a:rPr lang="en-US" smtClean="0"/>
-              <a:t>4/16/2023</a:t>
+              <a:t>4/18/2023</a:t>
             </a:fld>
             <a:endParaRPr lang="en-US"/>
           </a:p>
@@ -9363,7 +9363,7 @@
           <a:p>
             <a:fld id="{FA8F589A-1A1B-4186-A2FF-DC30B0765117}" type="datetimeFigureOut">
               <a:rPr lang="en-US" smtClean="0"/>
-              <a:t>4/16/2023</a:t>
+              <a:t>4/18/2023</a:t>
             </a:fld>
             <a:endParaRPr lang="en-US"/>
           </a:p>
@@ -9548,7 +9548,7 @@
           <a:p>
             <a:fld id="{FA8F589A-1A1B-4186-A2FF-DC30B0765117}" type="datetimeFigureOut">
               <a:rPr lang="en-US" smtClean="0"/>
-              <a:t>4/16/2023</a:t>
+              <a:t>4/18/2023</a:t>
             </a:fld>
             <a:endParaRPr lang="en-US"/>
           </a:p>
@@ -9837,7 +9837,7 @@
           <a:p>
             <a:fld id="{FA8F589A-1A1B-4186-A2FF-DC30B0765117}" type="datetimeFigureOut">
               <a:rPr lang="en-US" smtClean="0"/>
-              <a:t>4/16/2023</a:t>
+              <a:t>4/18/2023</a:t>
             </a:fld>
             <a:endParaRPr lang="en-US"/>
           </a:p>
@@ -10084,7 +10084,7 @@
           <a:p>
             <a:fld id="{FA8F589A-1A1B-4186-A2FF-DC30B0765117}" type="datetimeFigureOut">
               <a:rPr lang="en-US" smtClean="0"/>
-              <a:t>4/16/2023</a:t>
+              <a:t>4/18/2023</a:t>
             </a:fld>
             <a:endParaRPr lang="en-US"/>
           </a:p>
@@ -10463,7 +10463,7 @@
           <a:p>
             <a:fld id="{FA8F589A-1A1B-4186-A2FF-DC30B0765117}" type="datetimeFigureOut">
               <a:rPr lang="en-US" smtClean="0"/>
-              <a:t>4/16/2023</a:t>
+              <a:t>4/18/2023</a:t>
             </a:fld>
             <a:endParaRPr lang="en-US"/>
           </a:p>
@@ -10581,7 +10581,7 @@
           <a:p>
             <a:fld id="{FA8F589A-1A1B-4186-A2FF-DC30B0765117}" type="datetimeFigureOut">
               <a:rPr lang="en-US" smtClean="0"/>
-              <a:t>4/16/2023</a:t>
+              <a:t>4/18/2023</a:t>
             </a:fld>
             <a:endParaRPr lang="en-US"/>
           </a:p>
@@ -10676,7 +10676,7 @@
           <a:p>
             <a:fld id="{FA8F589A-1A1B-4186-A2FF-DC30B0765117}" type="datetimeFigureOut">
               <a:rPr lang="en-US" smtClean="0"/>
-              <a:t>4/16/2023</a:t>
+              <a:t>4/18/2023</a:t>
             </a:fld>
             <a:endParaRPr lang="en-US"/>
           </a:p>
@@ -10925,7 +10925,7 @@
           <a:p>
             <a:fld id="{FA8F589A-1A1B-4186-A2FF-DC30B0765117}" type="datetimeFigureOut">
               <a:rPr lang="en-US" smtClean="0"/>
-              <a:t>4/16/2023</a:t>
+              <a:t>4/18/2023</a:t>
             </a:fld>
             <a:endParaRPr lang="en-US"/>
           </a:p>
@@ -11182,7 +11182,7 @@
           <a:p>
             <a:fld id="{FA8F589A-1A1B-4186-A2FF-DC30B0765117}" type="datetimeFigureOut">
               <a:rPr lang="en-US" smtClean="0"/>
-              <a:t>4/16/2023</a:t>
+              <a:t>4/18/2023</a:t>
             </a:fld>
             <a:endParaRPr lang="en-US"/>
           </a:p>
@@ -11425,7 +11425,7 @@
           <a:p>
             <a:fld id="{FA8F589A-1A1B-4186-A2FF-DC30B0765117}" type="datetimeFigureOut">
               <a:rPr lang="en-US" smtClean="0"/>
-              <a:t>4/16/2023</a:t>
+              <a:t>4/18/2023</a:t>
             </a:fld>
             <a:endParaRPr lang="en-US"/>
           </a:p>
@@ -12131,13 +12131,8 @@
             <a:pPr lvl="1"/>
             <a:r>
               <a:rPr lang="en-US" dirty="0"/>
-              <a:t>Part-Time QA for </a:t>
-            </a:r>
-            <a:r>
-              <a:rPr lang="en-US" dirty="0" err="1"/>
-              <a:t>GoodMaps</a:t>
-            </a:r>
-            <a:endParaRPr lang="en-US" dirty="0"/>
+              <a:t>Part-Time QA for GoodMaps</a:t>
+            </a:r>
           </a:p>
           <a:p>
             <a:pPr lvl="1"/>
@@ -12152,6 +12147,31 @@
               <a:rPr lang="en-US" dirty="0"/>
               <a:t>Volunteer mentor with Code Louisville</a:t>
             </a:r>
+          </a:p>
+          <a:p>
+            <a:r>
+              <a:rPr lang="en-US" sz="2000" dirty="0" err="1"/>
+              <a:t>CorgiDev</a:t>
+            </a:r>
+            <a:r>
+              <a:rPr lang="en-US" sz="2000" dirty="0"/>
+              <a:t> </a:t>
+            </a:r>
+            <a:r>
+              <a:rPr lang="en-US" sz="2000" dirty="0" err="1"/>
+              <a:t>Linktree</a:t>
+            </a:r>
+            <a:r>
+              <a:rPr lang="en-US" sz="2000" dirty="0"/>
+              <a:t>: </a:t>
+            </a:r>
+            <a:r>
+              <a:rPr lang="en-US" sz="2000" dirty="0">
+                <a:hlinkClick r:id="rId2"/>
+              </a:rPr>
+              <a:t>https://linktr.ee/corgidev</a:t>
+            </a:r>
+            <a:endParaRPr lang="en-US" sz="2000" dirty="0"/>
           </a:p>
           <a:p>
             <a:pPr lvl="1"/>
@@ -12183,7 +12203,7 @@
           <p:nvPr/>
         </p:nvPicPr>
         <p:blipFill>
-          <a:blip r:embed="rId2">
+          <a:blip r:embed="rId3">
             <a:extLst>
               <a:ext uri="{28A0092B-C50C-407E-A947-70E740481C1C}">
                 <a14:useLocalDpi xmlns:a14="http://schemas.microsoft.com/office/drawing/2010/main" val="0"/>
@@ -13159,8 +13179,8 @@
         </p:nvSpPr>
         <p:spPr>
           <a:xfrm>
-            <a:off x="685800" y="2057401"/>
-            <a:ext cx="5350933" cy="4292599"/>
+            <a:off x="685800" y="2249424"/>
+            <a:ext cx="5350933" cy="4100576"/>
           </a:xfrm>
         </p:spPr>
         <p:txBody>
@@ -13169,54 +13189,32 @@
           </a:bodyPr>
           <a:lstStyle/>
           <a:p>
-            <a:r>
-              <a:rPr lang="en-US" sz="1400" b="1" dirty="0"/>
-              <a:t>Erissa Duvall</a:t>
-            </a:r>
-          </a:p>
-          <a:p>
-            <a:r>
-              <a:rPr lang="en-US" sz="1400" b="1" dirty="0">
+            <a:pPr marL="0" indent="0">
+              <a:buNone/>
+            </a:pPr>
+            <a:r>
+              <a:rPr lang="en-US" sz="1800" b="1" dirty="0" err="1"/>
+              <a:t>CorgiDev</a:t>
+            </a:r>
+            <a:r>
+              <a:rPr lang="en-US" sz="1800" b="1" dirty="0"/>
+              <a:t> </a:t>
+            </a:r>
+            <a:r>
+              <a:rPr lang="en-US" sz="1800" b="1" dirty="0" err="1"/>
+              <a:t>Linktree</a:t>
+            </a:r>
+            <a:r>
+              <a:rPr lang="en-US" sz="1800" b="1" dirty="0"/>
+              <a:t>: </a:t>
+            </a:r>
+            <a:r>
+              <a:rPr lang="en-US" sz="1800" b="1" dirty="0">
                 <a:hlinkClick r:id="rId2"/>
               </a:rPr>
-              <a:t>A11y@corgidev.com</a:t>
-            </a:r>
-            <a:endParaRPr lang="en-US" sz="1400" b="1" dirty="0"/>
-          </a:p>
-          <a:p>
-            <a:r>
-              <a:rPr lang="en-US" sz="1400" b="1" dirty="0">
-                <a:hlinkClick r:id="rId3"/>
-              </a:rPr>
-              <a:t>https://Corgidev.com/a11y.html</a:t>
-            </a:r>
-            <a:endParaRPr lang="en-US" sz="1400" b="1" dirty="0"/>
-          </a:p>
-          <a:p>
-            <a:r>
-              <a:rPr lang="en-US" sz="1400" b="1" dirty="0"/>
-              <a:t>Mastodon: </a:t>
-            </a:r>
-            <a:r>
-              <a:rPr lang="en-US" sz="1400" b="1" dirty="0">
-                <a:hlinkClick r:id="rId4"/>
-              </a:rPr>
-              <a:t>https://a11y.info/@CorgiDev</a:t>
-            </a:r>
-            <a:endParaRPr lang="en-US" sz="1400" b="1" dirty="0"/>
-          </a:p>
-          <a:p>
-            <a:r>
-              <a:rPr lang="en-US" sz="1400" b="1" dirty="0"/>
-              <a:t>LinkedIn: </a:t>
-            </a:r>
-            <a:r>
-              <a:rPr lang="en-US" sz="1400" b="1" dirty="0">
-                <a:hlinkClick r:id="rId5"/>
-              </a:rPr>
-              <a:t>https://www.linkedin.com/in/corgidev/</a:t>
-            </a:r>
-            <a:endParaRPr lang="en-US" sz="1400" b="1" dirty="0"/>
+              <a:t>https://linktr.ee/corgidev</a:t>
+            </a:r>
+            <a:endParaRPr lang="en-US" sz="1800" b="1" dirty="0"/>
           </a:p>
         </p:txBody>
       </p:sp>
@@ -13235,7 +13233,7 @@
           <p:nvPr/>
         </p:nvPicPr>
         <p:blipFill>
-          <a:blip r:embed="rId6">
+          <a:blip r:embed="rId3">
             <a:extLst>
               <a:ext uri="{28A0092B-C50C-407E-A947-70E740481C1C}">
                 <a14:useLocalDpi xmlns:a14="http://schemas.microsoft.com/office/drawing/2010/main" val="0"/>

--- a/Presenations/Upcoming Talk Drafts/2023_Accessibility Testing.pptx
+++ b/Presenations/Upcoming Talk Drafts/2023_Accessibility Testing.pptx
@@ -5,18 +5,17 @@
     <p:sldMasterId id="2147483708" r:id="rId1"/>
   </p:sldMasterIdLst>
   <p:notesMasterIdLst>
-    <p:notesMasterId r:id="rId11"/>
+    <p:notesMasterId r:id="rId10"/>
   </p:notesMasterIdLst>
   <p:sldIdLst>
     <p:sldId id="256" r:id="rId2"/>
     <p:sldId id="263" r:id="rId3"/>
-    <p:sldId id="265" r:id="rId4"/>
-    <p:sldId id="266" r:id="rId5"/>
-    <p:sldId id="269" r:id="rId6"/>
-    <p:sldId id="273" r:id="rId7"/>
-    <p:sldId id="270" r:id="rId8"/>
-    <p:sldId id="271" r:id="rId9"/>
-    <p:sldId id="272" r:id="rId10"/>
+    <p:sldId id="266" r:id="rId4"/>
+    <p:sldId id="269" r:id="rId5"/>
+    <p:sldId id="273" r:id="rId6"/>
+    <p:sldId id="270" r:id="rId7"/>
+    <p:sldId id="271" r:id="rId8"/>
+    <p:sldId id="272" r:id="rId9"/>
   </p:sldIdLst>
   <p:sldSz cx="12192000" cy="6858000"/>
   <p:notesSz cx="6858000" cy="9144000"/>
@@ -1828,10 +1827,10 @@
         <a:lstStyle/>
         <a:p>
           <a:r>
-            <a:rPr lang="en-US" b="1"/>
+            <a:rPr lang="en-US" b="1" dirty="0"/>
             <a:t>Accessibility</a:t>
           </a:r>
-          <a:endParaRPr lang="en-US"/>
+          <a:endParaRPr lang="en-US" dirty="0"/>
         </a:p>
       </dgm:t>
     </dgm:pt>
@@ -1871,10 +1870,10 @@
         <a:lstStyle/>
         <a:p>
           <a:r>
-            <a:rPr lang="en-US" b="1"/>
+            <a:rPr lang="en-US" b="1" dirty="0"/>
             <a:t>Disability</a:t>
           </a:r>
-          <a:endParaRPr lang="en-US"/>
+          <a:endParaRPr lang="en-US" dirty="0"/>
         </a:p>
       </dgm:t>
     </dgm:pt>
@@ -2624,10 +2623,10 @@
             <a:buNone/>
           </a:pPr>
           <a:r>
-            <a:rPr lang="en-US" sz="6500" b="1" kern="1200"/>
+            <a:rPr lang="en-US" sz="6500" b="1" kern="1200" dirty="0"/>
             <a:t>Accessibility</a:t>
           </a:r>
-          <a:endParaRPr lang="en-US" sz="6500" kern="1200"/>
+          <a:endParaRPr lang="en-US" sz="6500" kern="1200" dirty="0"/>
         </a:p>
       </dsp:txBody>
       <dsp:txXfrm>
@@ -2699,10 +2698,10 @@
             <a:buNone/>
           </a:pPr>
           <a:r>
-            <a:rPr lang="en-US" sz="6500" b="1" kern="1200"/>
+            <a:rPr lang="en-US" sz="6500" b="1" kern="1200" dirty="0"/>
             <a:t>Disability</a:t>
           </a:r>
-          <a:endParaRPr lang="en-US" sz="6500" kern="1200"/>
+          <a:endParaRPr lang="en-US" sz="6500" kern="1200" dirty="0"/>
         </a:p>
       </dsp:txBody>
       <dsp:txXfrm>
@@ -5789,7 +5788,7 @@
           <a:p>
             <a:fld id="{BEFAACEF-CC9A-483E-9B56-DECAFB57975A}" type="datetimeFigureOut">
               <a:rPr lang="en-US" smtClean="0"/>
-              <a:t>4/18/2023</a:t>
+              <a:t>5/7/2023</a:t>
             </a:fld>
             <a:endParaRPr lang="en-US"/>
           </a:p>
@@ -6169,7 +6168,7 @@
           <a:p>
             <a:fld id="{297094E8-3009-47D0-9423-EBC369D53B0E}" type="slidenum">
               <a:rPr lang="en-US" smtClean="0"/>
-              <a:t>4</a:t>
+              <a:t>3</a:t>
             </a:fld>
             <a:endParaRPr lang="en-US"/>
           </a:p>
@@ -6179,6 +6178,116 @@
     <p:extLst>
       <p:ext uri="{BB962C8B-B14F-4D97-AF65-F5344CB8AC3E}">
         <p14:creationId xmlns:p14="http://schemas.microsoft.com/office/powerpoint/2010/main" val="2786079026"/>
+      </p:ext>
+    </p:extLst>
+  </p:cSld>
+  <p:clrMapOvr>
+    <a:masterClrMapping/>
+  </p:clrMapOvr>
+</p:notes>
+</file>
+
+<file path=ppt/notesSlides/notesSlide2.xml><?xml version="1.0" encoding="utf-8"?>
+<p:notes xmlns:a="http://schemas.openxmlformats.org/drawingml/2006/main" xmlns:r="http://schemas.openxmlformats.org/officeDocument/2006/relationships" xmlns:p="http://schemas.openxmlformats.org/presentationml/2006/main">
+  <p:cSld>
+    <p:spTree>
+      <p:nvGrpSpPr>
+        <p:cNvPr id="1" name=""/>
+        <p:cNvGrpSpPr/>
+        <p:nvPr/>
+      </p:nvGrpSpPr>
+      <p:grpSpPr>
+        <a:xfrm>
+          <a:off x="0" y="0"/>
+          <a:ext cx="0" cy="0"/>
+          <a:chOff x="0" y="0"/>
+          <a:chExt cx="0" cy="0"/>
+        </a:xfrm>
+      </p:grpSpPr>
+      <p:sp>
+        <p:nvSpPr>
+          <p:cNvPr id="2" name="Slide Image Placeholder 1"/>
+          <p:cNvSpPr>
+            <a:spLocks noGrp="1" noRot="1" noChangeAspect="1"/>
+          </p:cNvSpPr>
+          <p:nvPr>
+            <p:ph type="sldImg"/>
+          </p:nvPr>
+        </p:nvSpPr>
+        <p:spPr/>
+      </p:sp>
+      <p:sp>
+        <p:nvSpPr>
+          <p:cNvPr id="3" name="Notes Placeholder 2"/>
+          <p:cNvSpPr>
+            <a:spLocks noGrp="1"/>
+          </p:cNvSpPr>
+          <p:nvPr>
+            <p:ph type="body" idx="1"/>
+          </p:nvPr>
+        </p:nvSpPr>
+        <p:spPr/>
+        <p:txBody>
+          <a:bodyPr/>
+          <a:lstStyle/>
+          <a:p>
+            <a:pPr lvl="1"/>
+            <a:r>
+              <a:rPr lang="en-US" dirty="0"/>
+              <a:t>Based on data from the </a:t>
+            </a:r>
+            <a:r>
+              <a:rPr lang="en-US" i="1" dirty="0"/>
+              <a:t>American Institutes for Research (AIR)—A Hidden Market: The Purchasing Power of People With Disabilities</a:t>
+            </a:r>
+          </a:p>
+          <a:p>
+            <a:pPr lvl="2"/>
+            <a:r>
+              <a:rPr lang="en-US" dirty="0"/>
+              <a:t>The total disposable income for U.S. adults with disabilities is about $490 billion, which is comparable to other significant market segments, such as African Americans ($501 billion) and Hispanics ($582 billion). (Disposable income is what is left after taxes are paid.); and</a:t>
+            </a:r>
+          </a:p>
+          <a:p>
+            <a:pPr lvl="2"/>
+            <a:r>
+              <a:rPr lang="en-US" dirty="0"/>
+              <a:t>Discretionary income for working-age people with disabilities is about $21 billion, which is greater than that of the African-American ($3 billion) and Hispanic ($16 billion) market segments, combined. (Discretionary income is the money remaining after deducting taxes, other mandatory charges, and spending on necessities, such as food and housing.)</a:t>
+            </a:r>
+            <a:endParaRPr lang="en-US" i="1" dirty="0"/>
+          </a:p>
+          <a:p>
+            <a:endParaRPr lang="en-US" dirty="0"/>
+          </a:p>
+        </p:txBody>
+      </p:sp>
+      <p:sp>
+        <p:nvSpPr>
+          <p:cNvPr id="4" name="Slide Number Placeholder 3"/>
+          <p:cNvSpPr>
+            <a:spLocks noGrp="1"/>
+          </p:cNvSpPr>
+          <p:nvPr>
+            <p:ph type="sldNum" sz="quarter" idx="5"/>
+          </p:nvPr>
+        </p:nvSpPr>
+        <p:spPr/>
+        <p:txBody>
+          <a:bodyPr/>
+          <a:lstStyle/>
+          <a:p>
+            <a:fld id="{297094E8-3009-47D0-9423-EBC369D53B0E}" type="slidenum">
+              <a:rPr lang="en-US" smtClean="0"/>
+              <a:t>5</a:t>
+            </a:fld>
+            <a:endParaRPr lang="en-US"/>
+          </a:p>
+        </p:txBody>
+      </p:sp>
+    </p:spTree>
+    <p:extLst>
+      <p:ext uri="{BB962C8B-B14F-4D97-AF65-F5344CB8AC3E}">
+        <p14:creationId xmlns:p14="http://schemas.microsoft.com/office/powerpoint/2010/main" val="2510926267"/>
       </p:ext>
     </p:extLst>
   </p:cSld>
@@ -6358,7 +6467,7 @@
           <a:p>
             <a:fld id="{FA8F589A-1A1B-4186-A2FF-DC30B0765117}" type="datetimeFigureOut">
               <a:rPr lang="en-US" smtClean="0"/>
-              <a:t>4/18/2023</a:t>
+              <a:t>5/7/2023</a:t>
             </a:fld>
             <a:endParaRPr lang="en-US"/>
           </a:p>
@@ -6630,7 +6739,7 @@
           <a:p>
             <a:fld id="{FA8F589A-1A1B-4186-A2FF-DC30B0765117}" type="datetimeFigureOut">
               <a:rPr lang="en-US" smtClean="0"/>
-              <a:t>4/18/2023</a:t>
+              <a:t>5/7/2023</a:t>
             </a:fld>
             <a:endParaRPr lang="en-US"/>
           </a:p>
@@ -6861,7 +6970,7 @@
           <a:p>
             <a:fld id="{FA8F589A-1A1B-4186-A2FF-DC30B0765117}" type="datetimeFigureOut">
               <a:rPr lang="en-US" smtClean="0"/>
-              <a:t>4/18/2023</a:t>
+              <a:t>5/7/2023</a:t>
             </a:fld>
             <a:endParaRPr lang="en-US"/>
           </a:p>
@@ -7171,7 +7280,7 @@
           <a:p>
             <a:fld id="{FA8F589A-1A1B-4186-A2FF-DC30B0765117}" type="datetimeFigureOut">
               <a:rPr lang="en-US" smtClean="0"/>
-              <a:t>4/18/2023</a:t>
+              <a:t>5/7/2023</a:t>
             </a:fld>
             <a:endParaRPr lang="en-US"/>
           </a:p>
@@ -7644,7 +7753,7 @@
           <a:p>
             <a:fld id="{FA8F589A-1A1B-4186-A2FF-DC30B0765117}" type="datetimeFigureOut">
               <a:rPr lang="en-US" smtClean="0"/>
-              <a:t>4/18/2023</a:t>
+              <a:t>5/7/2023</a:t>
             </a:fld>
             <a:endParaRPr lang="en-US"/>
           </a:p>
@@ -8191,7 +8300,7 @@
           <a:p>
             <a:fld id="{FA8F589A-1A1B-4186-A2FF-DC30B0765117}" type="datetimeFigureOut">
               <a:rPr lang="en-US" smtClean="0"/>
-              <a:t>4/18/2023</a:t>
+              <a:t>5/7/2023</a:t>
             </a:fld>
             <a:endParaRPr lang="en-US"/>
           </a:p>
@@ -8965,7 +9074,7 @@
           <a:p>
             <a:fld id="{FA8F589A-1A1B-4186-A2FF-DC30B0765117}" type="datetimeFigureOut">
               <a:rPr lang="en-US" smtClean="0"/>
-              <a:t>4/18/2023</a:t>
+              <a:t>5/7/2023</a:t>
             </a:fld>
             <a:endParaRPr lang="en-US"/>
           </a:p>
@@ -9140,7 +9249,7 @@
           <a:p>
             <a:fld id="{FA8F589A-1A1B-4186-A2FF-DC30B0765117}" type="datetimeFigureOut">
               <a:rPr lang="en-US" smtClean="0"/>
-              <a:t>4/18/2023</a:t>
+              <a:t>5/7/2023</a:t>
             </a:fld>
             <a:endParaRPr lang="en-US"/>
           </a:p>
@@ -9363,7 +9472,7 @@
           <a:p>
             <a:fld id="{FA8F589A-1A1B-4186-A2FF-DC30B0765117}" type="datetimeFigureOut">
               <a:rPr lang="en-US" smtClean="0"/>
-              <a:t>4/18/2023</a:t>
+              <a:t>5/7/2023</a:t>
             </a:fld>
             <a:endParaRPr lang="en-US"/>
           </a:p>
@@ -9548,7 +9657,7 @@
           <a:p>
             <a:fld id="{FA8F589A-1A1B-4186-A2FF-DC30B0765117}" type="datetimeFigureOut">
               <a:rPr lang="en-US" smtClean="0"/>
-              <a:t>4/18/2023</a:t>
+              <a:t>5/7/2023</a:t>
             </a:fld>
             <a:endParaRPr lang="en-US"/>
           </a:p>
@@ -9837,7 +9946,7 @@
           <a:p>
             <a:fld id="{FA8F589A-1A1B-4186-A2FF-DC30B0765117}" type="datetimeFigureOut">
               <a:rPr lang="en-US" smtClean="0"/>
-              <a:t>4/18/2023</a:t>
+              <a:t>5/7/2023</a:t>
             </a:fld>
             <a:endParaRPr lang="en-US"/>
           </a:p>
@@ -10084,7 +10193,7 @@
           <a:p>
             <a:fld id="{FA8F589A-1A1B-4186-A2FF-DC30B0765117}" type="datetimeFigureOut">
               <a:rPr lang="en-US" smtClean="0"/>
-              <a:t>4/18/2023</a:t>
+              <a:t>5/7/2023</a:t>
             </a:fld>
             <a:endParaRPr lang="en-US"/>
           </a:p>
@@ -10463,7 +10572,7 @@
           <a:p>
             <a:fld id="{FA8F589A-1A1B-4186-A2FF-DC30B0765117}" type="datetimeFigureOut">
               <a:rPr lang="en-US" smtClean="0"/>
-              <a:t>4/18/2023</a:t>
+              <a:t>5/7/2023</a:t>
             </a:fld>
             <a:endParaRPr lang="en-US"/>
           </a:p>
@@ -10581,7 +10690,7 @@
           <a:p>
             <a:fld id="{FA8F589A-1A1B-4186-A2FF-DC30B0765117}" type="datetimeFigureOut">
               <a:rPr lang="en-US" smtClean="0"/>
-              <a:t>4/18/2023</a:t>
+              <a:t>5/7/2023</a:t>
             </a:fld>
             <a:endParaRPr lang="en-US"/>
           </a:p>
@@ -10676,7 +10785,7 @@
           <a:p>
             <a:fld id="{FA8F589A-1A1B-4186-A2FF-DC30B0765117}" type="datetimeFigureOut">
               <a:rPr lang="en-US" smtClean="0"/>
-              <a:t>4/18/2023</a:t>
+              <a:t>5/7/2023</a:t>
             </a:fld>
             <a:endParaRPr lang="en-US"/>
           </a:p>
@@ -10925,7 +11034,7 @@
           <a:p>
             <a:fld id="{FA8F589A-1A1B-4186-A2FF-DC30B0765117}" type="datetimeFigureOut">
               <a:rPr lang="en-US" smtClean="0"/>
-              <a:t>4/18/2023</a:t>
+              <a:t>5/7/2023</a:t>
             </a:fld>
             <a:endParaRPr lang="en-US"/>
           </a:p>
@@ -11182,7 +11291,7 @@
           <a:p>
             <a:fld id="{FA8F589A-1A1B-4186-A2FF-DC30B0765117}" type="datetimeFigureOut">
               <a:rPr lang="en-US" smtClean="0"/>
-              <a:t>4/18/2023</a:t>
+              <a:t>5/7/2023</a:t>
             </a:fld>
             <a:endParaRPr lang="en-US"/>
           </a:p>
@@ -11425,7 +11534,7 @@
           <a:p>
             <a:fld id="{FA8F589A-1A1B-4186-A2FF-DC30B0765117}" type="datetimeFigureOut">
               <a:rPr lang="en-US" smtClean="0"/>
-              <a:t>4/18/2023</a:t>
+              <a:t>5/7/2023</a:t>
             </a:fld>
             <a:endParaRPr lang="en-US"/>
           </a:p>
@@ -11864,12 +11973,14 @@
           </a:xfrm>
         </p:spPr>
         <p:txBody>
-          <a:bodyPr/>
+          <a:bodyPr>
+            <a:normAutofit fontScale="90000"/>
+          </a:bodyPr>
           <a:lstStyle/>
           <a:p>
             <a:r>
               <a:rPr lang="en-US" dirty="0"/>
-              <a:t>Accessibility Testing</a:t>
+              <a:t>Accessibility Testing 101</a:t>
             </a:r>
           </a:p>
         </p:txBody>
@@ -11959,12 +12070,6 @@
           <a:p>
             <a:r>
               <a:rPr lang="en-US" dirty="0"/>
-              <a:t>Who am I?</a:t>
-            </a:r>
-          </a:p>
-          <a:p>
-            <a:r>
-              <a:rPr lang="en-US" dirty="0"/>
               <a:t>What is Accessibility?</a:t>
             </a:r>
           </a:p>
@@ -12014,230 +12119,6 @@
 </file>
 
 <file path=ppt/slides/slide3.xml><?xml version="1.0" encoding="utf-8"?>
-<p:sld xmlns:a="http://schemas.openxmlformats.org/drawingml/2006/main" xmlns:r="http://schemas.openxmlformats.org/officeDocument/2006/relationships" xmlns:p="http://schemas.openxmlformats.org/presentationml/2006/main">
-  <p:cSld>
-    <p:spTree>
-      <p:nvGrpSpPr>
-        <p:cNvPr id="1" name=""/>
-        <p:cNvGrpSpPr/>
-        <p:nvPr/>
-      </p:nvGrpSpPr>
-      <p:grpSpPr>
-        <a:xfrm>
-          <a:off x="0" y="0"/>
-          <a:ext cx="0" cy="0"/>
-          <a:chOff x="0" y="0"/>
-          <a:chExt cx="0" cy="0"/>
-        </a:xfrm>
-      </p:grpSpPr>
-      <p:sp>
-        <p:nvSpPr>
-          <p:cNvPr id="2" name="Title 1">
-            <a:extLst>
-              <a:ext uri="{FF2B5EF4-FFF2-40B4-BE49-F238E27FC236}">
-                <a16:creationId xmlns:a16="http://schemas.microsoft.com/office/drawing/2014/main" id="{BFBE0A40-EF52-730B-174C-8DEE5AF23CE4}"/>
-              </a:ext>
-            </a:extLst>
-          </p:cNvPr>
-          <p:cNvSpPr>
-            <a:spLocks noGrp="1"/>
-          </p:cNvSpPr>
-          <p:nvPr>
-            <p:ph type="title"/>
-          </p:nvPr>
-        </p:nvSpPr>
-        <p:spPr>
-          <a:xfrm>
-            <a:off x="1" y="764373"/>
-            <a:ext cx="11506200" cy="1293028"/>
-          </a:xfrm>
-        </p:spPr>
-        <p:txBody>
-          <a:bodyPr>
-            <a:normAutofit/>
-          </a:bodyPr>
-          <a:lstStyle/>
-          <a:p>
-            <a:r>
-              <a:rPr lang="en-US" sz="3600" dirty="0"/>
-              <a:t>Who am I?</a:t>
-            </a:r>
-          </a:p>
-        </p:txBody>
-      </p:sp>
-      <p:sp>
-        <p:nvSpPr>
-          <p:cNvPr id="3" name="Content Placeholder 2">
-            <a:extLst>
-              <a:ext uri="{FF2B5EF4-FFF2-40B4-BE49-F238E27FC236}">
-                <a16:creationId xmlns:a16="http://schemas.microsoft.com/office/drawing/2014/main" id="{7829BE99-CC9F-E89F-67D7-DD0AF66AC11A}"/>
-              </a:ext>
-            </a:extLst>
-          </p:cNvPr>
-          <p:cNvSpPr>
-            <a:spLocks noGrp="1"/>
-          </p:cNvSpPr>
-          <p:nvPr>
-            <p:ph idx="1"/>
-          </p:nvPr>
-        </p:nvSpPr>
-        <p:spPr>
-          <a:xfrm>
-            <a:off x="685800" y="2194560"/>
-            <a:ext cx="6960140" cy="4024125"/>
-          </a:xfrm>
-        </p:spPr>
-        <p:txBody>
-          <a:bodyPr/>
-          <a:lstStyle/>
-          <a:p>
-            <a:r>
-              <a:rPr lang="en-US" dirty="0"/>
-              <a:t>Erissa Duvall</a:t>
-            </a:r>
-          </a:p>
-          <a:p>
-            <a:r>
-              <a:rPr lang="en-US" dirty="0"/>
-              <a:t>A nerd</a:t>
-            </a:r>
-          </a:p>
-          <a:p>
-            <a:r>
-              <a:rPr lang="en-US" dirty="0"/>
-              <a:t>A gamer</a:t>
-            </a:r>
-          </a:p>
-          <a:p>
-            <a:r>
-              <a:rPr lang="en-US" dirty="0"/>
-              <a:t>Formerly:</a:t>
-            </a:r>
-          </a:p>
-          <a:p>
-            <a:pPr lvl="1"/>
-            <a:r>
-              <a:rPr lang="en-US" dirty="0"/>
-              <a:t>3 years IT at American Printing House for the Blind</a:t>
-            </a:r>
-          </a:p>
-          <a:p>
-            <a:r>
-              <a:rPr lang="en-US" dirty="0"/>
-              <a:t>Currently:</a:t>
-            </a:r>
-          </a:p>
-          <a:p>
-            <a:pPr lvl="1"/>
-            <a:r>
-              <a:rPr lang="en-US" dirty="0"/>
-              <a:t>Part-Time QA for GoodMaps</a:t>
-            </a:r>
-          </a:p>
-          <a:p>
-            <a:pPr lvl="1"/>
-            <a:r>
-              <a:rPr lang="en-US" dirty="0"/>
-              <a:t>Accessibility Engineer for CVS Health</a:t>
-            </a:r>
-          </a:p>
-          <a:p>
-            <a:pPr lvl="1"/>
-            <a:r>
-              <a:rPr lang="en-US" dirty="0"/>
-              <a:t>Volunteer mentor with Code Louisville</a:t>
-            </a:r>
-          </a:p>
-          <a:p>
-            <a:r>
-              <a:rPr lang="en-US" sz="2000" dirty="0" err="1"/>
-              <a:t>CorgiDev</a:t>
-            </a:r>
-            <a:r>
-              <a:rPr lang="en-US" sz="2000" dirty="0"/>
-              <a:t> </a:t>
-            </a:r>
-            <a:r>
-              <a:rPr lang="en-US" sz="2000" dirty="0" err="1"/>
-              <a:t>Linktree</a:t>
-            </a:r>
-            <a:r>
-              <a:rPr lang="en-US" sz="2000" dirty="0"/>
-              <a:t>: </a:t>
-            </a:r>
-            <a:r>
-              <a:rPr lang="en-US" sz="2000" dirty="0">
-                <a:hlinkClick r:id="rId2"/>
-              </a:rPr>
-              <a:t>https://linktr.ee/corgidev</a:t>
-            </a:r>
-            <a:endParaRPr lang="en-US" sz="2000" dirty="0"/>
-          </a:p>
-          <a:p>
-            <a:pPr lvl="1"/>
-            <a:endParaRPr lang="en-US" dirty="0"/>
-          </a:p>
-          <a:p>
-            <a:endParaRPr lang="en-US" dirty="0"/>
-          </a:p>
-          <a:p>
-            <a:endParaRPr lang="en-US" dirty="0"/>
-          </a:p>
-          <a:p>
-            <a:endParaRPr lang="en-US" dirty="0"/>
-          </a:p>
-        </p:txBody>
-      </p:sp>
-      <p:pic>
-        <p:nvPicPr>
-          <p:cNvPr id="8" name="Picture 7" descr="A person posing with a stuffed animal&#10;&#10;Description automatically generated with low confidence">
-            <a:extLst>
-              <a:ext uri="{FF2B5EF4-FFF2-40B4-BE49-F238E27FC236}">
-                <a16:creationId xmlns:a16="http://schemas.microsoft.com/office/drawing/2014/main" id="{CADAE7D5-9171-02BE-C937-61259956842E}"/>
-              </a:ext>
-            </a:extLst>
-          </p:cNvPr>
-          <p:cNvPicPr>
-            <a:picLocks noChangeAspect="1"/>
-          </p:cNvPicPr>
-          <p:nvPr/>
-        </p:nvPicPr>
-        <p:blipFill>
-          <a:blip r:embed="rId3">
-            <a:extLst>
-              <a:ext uri="{28A0092B-C50C-407E-A947-70E740481C1C}">
-                <a14:useLocalDpi xmlns:a14="http://schemas.microsoft.com/office/drawing/2010/main" val="0"/>
-              </a:ext>
-            </a:extLst>
-          </a:blip>
-          <a:stretch>
-            <a:fillRect/>
-          </a:stretch>
-        </p:blipFill>
-        <p:spPr>
-          <a:xfrm>
-            <a:off x="8046396" y="2057401"/>
-            <a:ext cx="3459804" cy="4324755"/>
-          </a:xfrm>
-          <a:prstGeom prst="rect">
-            <a:avLst/>
-          </a:prstGeom>
-        </p:spPr>
-      </p:pic>
-    </p:spTree>
-    <p:extLst>
-      <p:ext uri="{BB962C8B-B14F-4D97-AF65-F5344CB8AC3E}">
-        <p14:creationId xmlns:p14="http://schemas.microsoft.com/office/powerpoint/2010/main" val="3958581971"/>
-      </p:ext>
-    </p:extLst>
-  </p:cSld>
-  <p:clrMapOvr>
-    <a:masterClrMapping/>
-  </p:clrMapOvr>
-</p:sld>
-</file>
-
-<file path=ppt/slides/slide4.xml><?xml version="1.0" encoding="utf-8"?>
 <p:sld xmlns:a="http://schemas.openxmlformats.org/drawingml/2006/main" xmlns:r="http://schemas.openxmlformats.org/officeDocument/2006/relationships" xmlns:p="http://schemas.openxmlformats.org/presentationml/2006/main">
   <p:cSld>
     <p:spTree>
@@ -12471,6 +12352,102 @@
 </p:sld>
 </file>
 
+<file path=ppt/slides/slide4.xml><?xml version="1.0" encoding="utf-8"?>
+<p:sld xmlns:a="http://schemas.openxmlformats.org/drawingml/2006/main" xmlns:r="http://schemas.openxmlformats.org/officeDocument/2006/relationships" xmlns:p="http://schemas.openxmlformats.org/presentationml/2006/main">
+  <p:cSld>
+    <p:spTree>
+      <p:nvGrpSpPr>
+        <p:cNvPr id="1" name=""/>
+        <p:cNvGrpSpPr/>
+        <p:nvPr/>
+      </p:nvGrpSpPr>
+      <p:grpSpPr>
+        <a:xfrm>
+          <a:off x="0" y="0"/>
+          <a:ext cx="0" cy="0"/>
+          <a:chOff x="0" y="0"/>
+          <a:chExt cx="0" cy="0"/>
+        </a:xfrm>
+      </p:grpSpPr>
+      <p:sp>
+        <p:nvSpPr>
+          <p:cNvPr id="2" name="Title 1">
+            <a:extLst>
+              <a:ext uri="{FF2B5EF4-FFF2-40B4-BE49-F238E27FC236}">
+                <a16:creationId xmlns:a16="http://schemas.microsoft.com/office/drawing/2014/main" id="{BFBE0A40-EF52-730B-174C-8DEE5AF23CE4}"/>
+              </a:ext>
+            </a:extLst>
+          </p:cNvPr>
+          <p:cNvSpPr>
+            <a:spLocks noGrp="1"/>
+          </p:cNvSpPr>
+          <p:nvPr>
+            <p:ph type="title"/>
+          </p:nvPr>
+        </p:nvSpPr>
+        <p:spPr>
+          <a:xfrm>
+            <a:off x="1" y="764373"/>
+            <a:ext cx="11506200" cy="1293028"/>
+          </a:xfrm>
+        </p:spPr>
+        <p:txBody>
+          <a:bodyPr>
+            <a:normAutofit/>
+          </a:bodyPr>
+          <a:lstStyle/>
+          <a:p>
+            <a:r>
+              <a:rPr lang="en-US" sz="3600" dirty="0"/>
+              <a:t>What is Accessibility - Continued</a:t>
+            </a:r>
+          </a:p>
+        </p:txBody>
+      </p:sp>
+      <p:graphicFrame>
+        <p:nvGraphicFramePr>
+          <p:cNvPr id="6" name="Content Placeholder 2">
+            <a:extLst>
+              <a:ext uri="{FF2B5EF4-FFF2-40B4-BE49-F238E27FC236}">
+                <a16:creationId xmlns:a16="http://schemas.microsoft.com/office/drawing/2014/main" id="{FA820D58-D4E6-FBFE-77ED-DD49F7FAC9D2}"/>
+              </a:ext>
+            </a:extLst>
+          </p:cNvPr>
+          <p:cNvGraphicFramePr>
+            <a:graphicFrameLocks noGrp="1"/>
+          </p:cNvGraphicFramePr>
+          <p:nvPr>
+            <p:ph idx="1"/>
+            <p:extLst>
+              <p:ext uri="{D42A27DB-BD31-4B8C-83A1-F6EECF244321}">
+                <p14:modId xmlns:p14="http://schemas.microsoft.com/office/powerpoint/2010/main" val="1503076701"/>
+              </p:ext>
+            </p:extLst>
+          </p:nvPr>
+        </p:nvGraphicFramePr>
+        <p:xfrm>
+          <a:off x="685801" y="2243138"/>
+          <a:ext cx="10820400" cy="3340100"/>
+        </p:xfrm>
+        <a:graphic>
+          <a:graphicData uri="http://schemas.openxmlformats.org/drawingml/2006/diagram">
+            <dgm:relIds xmlns:dgm="http://schemas.openxmlformats.org/drawingml/2006/diagram" xmlns:r="http://schemas.openxmlformats.org/officeDocument/2006/relationships" r:dm="rId2" r:lo="rId3" r:qs="rId4" r:cs="rId5"/>
+          </a:graphicData>
+        </a:graphic>
+      </p:graphicFrame>
+    </p:spTree>
+    <p:extLst>
+      <p:ext uri="{BB962C8B-B14F-4D97-AF65-F5344CB8AC3E}">
+        <p14:creationId xmlns:p14="http://schemas.microsoft.com/office/powerpoint/2010/main" val="675978995"/>
+      </p:ext>
+    </p:extLst>
+  </p:cSld>
+  <p:clrMapOvr>
+    <a:masterClrMapping/>
+  </p:clrMapOvr>
+</p:sld>
+</file>
+
 <file path=ppt/slides/slide5.xml><?xml version="1.0" encoding="utf-8"?>
 <p:sld xmlns:a="http://schemas.openxmlformats.org/drawingml/2006/main" xmlns:r="http://schemas.openxmlformats.org/officeDocument/2006/relationships" xmlns:p="http://schemas.openxmlformats.org/presentationml/2006/main">
   <p:cSld>
@@ -12518,46 +12495,73 @@
           <a:p>
             <a:r>
               <a:rPr lang="en-US" sz="3600" dirty="0"/>
-              <a:t>What is Accessibility - Continued</a:t>
+              <a:t>Why make things Accessible?</a:t>
             </a:r>
           </a:p>
         </p:txBody>
       </p:sp>
-      <p:graphicFrame>
-        <p:nvGraphicFramePr>
-          <p:cNvPr id="6" name="Content Placeholder 2">
+      <p:sp>
+        <p:nvSpPr>
+          <p:cNvPr id="4" name="Content Placeholder 3">
             <a:extLst>
               <a:ext uri="{FF2B5EF4-FFF2-40B4-BE49-F238E27FC236}">
-                <a16:creationId xmlns:a16="http://schemas.microsoft.com/office/drawing/2014/main" id="{FA820D58-D4E6-FBFE-77ED-DD49F7FAC9D2}"/>
+                <a16:creationId xmlns:a16="http://schemas.microsoft.com/office/drawing/2014/main" id="{7FC6A545-C8D8-62C0-B240-12747FBCDEDE}"/>
               </a:ext>
             </a:extLst>
           </p:cNvPr>
-          <p:cNvGraphicFramePr>
-            <a:graphicFrameLocks noGrp="1"/>
-          </p:cNvGraphicFramePr>
+          <p:cNvSpPr>
+            <a:spLocks noGrp="1"/>
+          </p:cNvSpPr>
           <p:nvPr>
             <p:ph idx="1"/>
-            <p:extLst>
-              <p:ext uri="{D42A27DB-BD31-4B8C-83A1-F6EECF244321}">
-                <p14:modId xmlns:p14="http://schemas.microsoft.com/office/powerpoint/2010/main" val="1503076701"/>
-              </p:ext>
-            </p:extLst>
           </p:nvPr>
-        </p:nvGraphicFramePr>
-        <p:xfrm>
-          <a:off x="685801" y="2243138"/>
-          <a:ext cx="10820400" cy="3340100"/>
-        </p:xfrm>
-        <a:graphic>
-          <a:graphicData uri="http://schemas.openxmlformats.org/drawingml/2006/diagram">
-            <dgm:relIds xmlns:dgm="http://schemas.openxmlformats.org/drawingml/2006/diagram" xmlns:r="http://schemas.openxmlformats.org/officeDocument/2006/relationships" r:dm="rId2" r:lo="rId3" r:qs="rId4" r:cs="rId5"/>
-          </a:graphicData>
-        </a:graphic>
-      </p:graphicFrame>
+        </p:nvSpPr>
+        <p:spPr/>
+        <p:txBody>
+          <a:bodyPr>
+            <a:normAutofit/>
+          </a:bodyPr>
+          <a:lstStyle/>
+          <a:p>
+            <a:r>
+              <a:rPr lang="en-US" dirty="0"/>
+              <a:t>Because it is the right thing to do</a:t>
+            </a:r>
+          </a:p>
+          <a:p>
+            <a:r>
+              <a:rPr lang="en-US" dirty="0"/>
+              <a:t>Better retention of employees and customers</a:t>
+            </a:r>
+          </a:p>
+          <a:p>
+            <a:r>
+              <a:rPr lang="en-US" dirty="0"/>
+              <a:t>Don’t miss out on the market</a:t>
+            </a:r>
+          </a:p>
+          <a:p>
+            <a:pPr lvl="1"/>
+            <a:r>
+              <a:rPr lang="en-US" dirty="0">
+                <a:hlinkClick r:id="rId3"/>
+              </a:rPr>
+              <a:t>A Hidden Market: The Purchasing Power of Working-Age Adults With Disabilities | American Institutes for Research (air.org)</a:t>
+            </a:r>
+            <a:endParaRPr lang="en-US" dirty="0"/>
+          </a:p>
+          <a:p>
+            <a:r>
+              <a:rPr lang="en-US" dirty="0"/>
+              <a:t>More likely to be innovative</a:t>
+            </a:r>
+          </a:p>
+        </p:txBody>
+      </p:sp>
     </p:spTree>
     <p:extLst>
       <p:ext uri="{BB962C8B-B14F-4D97-AF65-F5344CB8AC3E}">
-        <p14:creationId xmlns:p14="http://schemas.microsoft.com/office/powerpoint/2010/main" val="675978995"/>
+        <p14:creationId xmlns:p14="http://schemas.microsoft.com/office/powerpoint/2010/main" val="2528127634"/>
       </p:ext>
     </p:extLst>
   </p:cSld>
@@ -12614,17 +12618,17 @@
           <a:p>
             <a:r>
               <a:rPr lang="en-US" sz="3600" dirty="0"/>
-              <a:t>Why make things Accessible?</a:t>
+              <a:t>How do we decide what is Accessible?</a:t>
             </a:r>
           </a:p>
         </p:txBody>
       </p:sp>
       <p:sp>
         <p:nvSpPr>
-          <p:cNvPr id="4" name="Content Placeholder 3">
+          <p:cNvPr id="3" name="Content Placeholder 2">
             <a:extLst>
               <a:ext uri="{FF2B5EF4-FFF2-40B4-BE49-F238E27FC236}">
-                <a16:creationId xmlns:a16="http://schemas.microsoft.com/office/drawing/2014/main" id="{7FC6A545-C8D8-62C0-B240-12747FBCDEDE}"/>
+                <a16:creationId xmlns:a16="http://schemas.microsoft.com/office/drawing/2014/main" id="{7829BE99-CC9F-E89F-67D7-DD0AF66AC11A}"/>
               </a:ext>
             </a:extLst>
           </p:cNvPr>
@@ -12635,19 +12639,98 @@
             <p:ph idx="1"/>
           </p:nvPr>
         </p:nvSpPr>
-        <p:spPr/>
+        <p:spPr>
+          <a:xfrm>
+            <a:off x="685800" y="1845733"/>
+            <a:ext cx="10820400" cy="4792134"/>
+          </a:xfrm>
+        </p:spPr>
         <p:txBody>
-          <a:bodyPr/>
+          <a:bodyPr>
+            <a:normAutofit/>
+          </a:bodyPr>
           <a:lstStyle/>
           <a:p>
-            <a:endParaRPr lang="en-US"/>
+            <a:endParaRPr lang="en-US" b="1" dirty="0"/>
+          </a:p>
+          <a:p>
+            <a:r>
+              <a:rPr lang="en-US" b="1" dirty="0"/>
+              <a:t>Guidelines</a:t>
+            </a:r>
+          </a:p>
+          <a:p>
+            <a:pPr lvl="1"/>
+            <a:r>
+              <a:rPr lang="en-US" b="1" dirty="0"/>
+              <a:t>Web Content Accessibility Guidelines (WCAG)</a:t>
+            </a:r>
+          </a:p>
+          <a:p>
+            <a:pPr lvl="1"/>
+            <a:r>
+              <a:rPr lang="en-US" b="1" dirty="0"/>
+              <a:t>Authoring Tools Accessibility Guidelines (ATAG)</a:t>
+            </a:r>
+          </a:p>
+          <a:p>
+            <a:pPr lvl="1"/>
+            <a:r>
+              <a:rPr lang="en-US" b="1" dirty="0"/>
+              <a:t>User Agent Accessibility Guidelines (UAAG)</a:t>
+            </a:r>
+          </a:p>
+          <a:p>
+            <a:pPr lvl="1"/>
+            <a:r>
+              <a:rPr lang="en-US" b="1" dirty="0"/>
+              <a:t>Accessible Rich Internet Applications (ARIA)</a:t>
+            </a:r>
+          </a:p>
+          <a:p>
+            <a:pPr lvl="1"/>
+            <a:r>
+              <a:rPr lang="en-US" b="1" dirty="0"/>
+              <a:t>Accessible Electronic Documents Community of Practice (AED COP)</a:t>
+            </a:r>
+          </a:p>
+          <a:p>
+            <a:r>
+              <a:rPr lang="en-US" b="1" dirty="0"/>
+              <a:t>Regulations</a:t>
+            </a:r>
+          </a:p>
+          <a:p>
+            <a:pPr lvl="1"/>
+            <a:r>
+              <a:rPr lang="en-US" b="1" dirty="0"/>
+              <a:t>Americans with Disabilities Act (ADA)</a:t>
+            </a:r>
+          </a:p>
+          <a:p>
+            <a:pPr lvl="1"/>
+            <a:r>
+              <a:rPr lang="en-US" b="1" dirty="0"/>
+              <a:t>Section 508 of the Rehabilitation Act</a:t>
+            </a:r>
+          </a:p>
+          <a:p>
+            <a:pPr lvl="1"/>
+            <a:r>
+              <a:rPr lang="en-US" b="1" dirty="0"/>
+              <a:t>Accessibility for Ontarians Act (AODA)</a:t>
+            </a:r>
+          </a:p>
+          <a:p>
+            <a:pPr lvl="1"/>
+            <a:endParaRPr lang="en-US" dirty="0"/>
           </a:p>
         </p:txBody>
       </p:sp>
     </p:spTree>
     <p:extLst>
       <p:ext uri="{BB962C8B-B14F-4D97-AF65-F5344CB8AC3E}">
-        <p14:creationId xmlns:p14="http://schemas.microsoft.com/office/powerpoint/2010/main" val="2528127634"/>
+        <p14:creationId xmlns:p14="http://schemas.microsoft.com/office/powerpoint/2010/main" val="2878205625"/>
       </p:ext>
     </p:extLst>
   </p:cSld>
@@ -12697,175 +12780,6 @@
           </a:xfrm>
         </p:spPr>
         <p:txBody>
-          <a:bodyPr>
-            <a:normAutofit/>
-          </a:bodyPr>
-          <a:lstStyle/>
-          <a:p>
-            <a:r>
-              <a:rPr lang="en-US" sz="3600" dirty="0"/>
-              <a:t>How do we decide what is Accessible?</a:t>
-            </a:r>
-          </a:p>
-        </p:txBody>
-      </p:sp>
-      <p:sp>
-        <p:nvSpPr>
-          <p:cNvPr id="3" name="Content Placeholder 2">
-            <a:extLst>
-              <a:ext uri="{FF2B5EF4-FFF2-40B4-BE49-F238E27FC236}">
-                <a16:creationId xmlns:a16="http://schemas.microsoft.com/office/drawing/2014/main" id="{7829BE99-CC9F-E89F-67D7-DD0AF66AC11A}"/>
-              </a:ext>
-            </a:extLst>
-          </p:cNvPr>
-          <p:cNvSpPr>
-            <a:spLocks noGrp="1"/>
-          </p:cNvSpPr>
-          <p:nvPr>
-            <p:ph idx="1"/>
-          </p:nvPr>
-        </p:nvSpPr>
-        <p:spPr>
-          <a:xfrm>
-            <a:off x="685800" y="1845733"/>
-            <a:ext cx="10820400" cy="4792134"/>
-          </a:xfrm>
-        </p:spPr>
-        <p:txBody>
-          <a:bodyPr>
-            <a:normAutofit/>
-          </a:bodyPr>
-          <a:lstStyle/>
-          <a:p>
-            <a:endParaRPr lang="en-US" b="1" dirty="0"/>
-          </a:p>
-          <a:p>
-            <a:r>
-              <a:rPr lang="en-US" b="1" dirty="0"/>
-              <a:t>Guidelines</a:t>
-            </a:r>
-          </a:p>
-          <a:p>
-            <a:pPr lvl="1"/>
-            <a:r>
-              <a:rPr lang="en-US" b="1" dirty="0"/>
-              <a:t>Web Content Accessibility Guidelines (WCAG)</a:t>
-            </a:r>
-          </a:p>
-          <a:p>
-            <a:pPr lvl="1"/>
-            <a:r>
-              <a:rPr lang="en-US" b="1" dirty="0"/>
-              <a:t>Authoring Tools Accessibility Guidelines (ATAG)</a:t>
-            </a:r>
-          </a:p>
-          <a:p>
-            <a:pPr lvl="1"/>
-            <a:r>
-              <a:rPr lang="en-US" b="1" dirty="0"/>
-              <a:t>User Agent Accessibility Guidelines (UAAG)</a:t>
-            </a:r>
-          </a:p>
-          <a:p>
-            <a:pPr lvl="1"/>
-            <a:r>
-              <a:rPr lang="en-US" b="1" dirty="0"/>
-              <a:t>Accessible Rich Internet Applications (ARIA)</a:t>
-            </a:r>
-          </a:p>
-          <a:p>
-            <a:pPr lvl="1"/>
-            <a:r>
-              <a:rPr lang="en-US" b="1" dirty="0"/>
-              <a:t>Accessible Electronic Documents Community of Practice (AED COP)</a:t>
-            </a:r>
-          </a:p>
-          <a:p>
-            <a:r>
-              <a:rPr lang="en-US" b="1" dirty="0"/>
-              <a:t>Regulations</a:t>
-            </a:r>
-          </a:p>
-          <a:p>
-            <a:pPr lvl="1"/>
-            <a:r>
-              <a:rPr lang="en-US" b="1" dirty="0"/>
-              <a:t>Americans with Disabilities Act (ADA)</a:t>
-            </a:r>
-          </a:p>
-          <a:p>
-            <a:pPr lvl="1"/>
-            <a:r>
-              <a:rPr lang="en-US" b="1" dirty="0"/>
-              <a:t>Section 508 of the Rehabilitation Act</a:t>
-            </a:r>
-          </a:p>
-          <a:p>
-            <a:pPr lvl="1"/>
-            <a:r>
-              <a:rPr lang="en-US" b="1" dirty="0"/>
-              <a:t>Accessibility for Ontarians Act (AODA)</a:t>
-            </a:r>
-          </a:p>
-          <a:p>
-            <a:pPr lvl="1"/>
-            <a:endParaRPr lang="en-US" dirty="0"/>
-          </a:p>
-        </p:txBody>
-      </p:sp>
-    </p:spTree>
-    <p:extLst>
-      <p:ext uri="{BB962C8B-B14F-4D97-AF65-F5344CB8AC3E}">
-        <p14:creationId xmlns:p14="http://schemas.microsoft.com/office/powerpoint/2010/main" val="2878205625"/>
-      </p:ext>
-    </p:extLst>
-  </p:cSld>
-  <p:clrMapOvr>
-    <a:masterClrMapping/>
-  </p:clrMapOvr>
-</p:sld>
-</file>
-
-<file path=ppt/slides/slide8.xml><?xml version="1.0" encoding="utf-8"?>
-<p:sld xmlns:a="http://schemas.openxmlformats.org/drawingml/2006/main" xmlns:r="http://schemas.openxmlformats.org/officeDocument/2006/relationships" xmlns:p="http://schemas.openxmlformats.org/presentationml/2006/main">
-  <p:cSld>
-    <p:spTree>
-      <p:nvGrpSpPr>
-        <p:cNvPr id="1" name=""/>
-        <p:cNvGrpSpPr/>
-        <p:nvPr/>
-      </p:nvGrpSpPr>
-      <p:grpSpPr>
-        <a:xfrm>
-          <a:off x="0" y="0"/>
-          <a:ext cx="0" cy="0"/>
-          <a:chOff x="0" y="0"/>
-          <a:chExt cx="0" cy="0"/>
-        </a:xfrm>
-      </p:grpSpPr>
-      <p:sp>
-        <p:nvSpPr>
-          <p:cNvPr id="2" name="Title 1">
-            <a:extLst>
-              <a:ext uri="{FF2B5EF4-FFF2-40B4-BE49-F238E27FC236}">
-                <a16:creationId xmlns:a16="http://schemas.microsoft.com/office/drawing/2014/main" id="{BFBE0A40-EF52-730B-174C-8DEE5AF23CE4}"/>
-              </a:ext>
-            </a:extLst>
-          </p:cNvPr>
-          <p:cNvSpPr>
-            <a:spLocks noGrp="1"/>
-          </p:cNvSpPr>
-          <p:nvPr>
-            <p:ph type="title"/>
-          </p:nvPr>
-        </p:nvSpPr>
-        <p:spPr>
-          <a:xfrm>
-            <a:off x="1" y="764373"/>
-            <a:ext cx="11506200" cy="1293028"/>
-          </a:xfrm>
-        </p:spPr>
-        <p:txBody>
           <a:bodyPr/>
           <a:lstStyle/>
           <a:p>
@@ -13111,7 +13025,7 @@
 </p:sld>
 </file>
 
-<file path=ppt/slides/slide9.xml><?xml version="1.0" encoding="utf-8"?>
+<file path=ppt/slides/slide8.xml><?xml version="1.0" encoding="utf-8"?>
 <p:sld xmlns:a="http://schemas.openxmlformats.org/drawingml/2006/main" xmlns:r="http://schemas.openxmlformats.org/officeDocument/2006/relationships" xmlns:p="http://schemas.openxmlformats.org/presentationml/2006/main">
   <p:cSld>
     <p:spTree>

--- a/Presenations/Upcoming Talk Drafts/2023_Accessibility Testing.pptx
+++ b/Presenations/Upcoming Talk Drafts/2023_Accessibility Testing.pptx
@@ -5,7 +5,7 @@
     <p:sldMasterId id="2147483708" r:id="rId1"/>
   </p:sldMasterIdLst>
   <p:notesMasterIdLst>
-    <p:notesMasterId r:id="rId10"/>
+    <p:notesMasterId r:id="rId16"/>
   </p:notesMasterIdLst>
   <p:sldIdLst>
     <p:sldId id="256" r:id="rId2"/>
@@ -14,8 +14,14 @@
     <p:sldId id="269" r:id="rId5"/>
     <p:sldId id="273" r:id="rId6"/>
     <p:sldId id="270" r:id="rId7"/>
-    <p:sldId id="271" r:id="rId8"/>
-    <p:sldId id="272" r:id="rId9"/>
+    <p:sldId id="279" r:id="rId8"/>
+    <p:sldId id="274" r:id="rId9"/>
+    <p:sldId id="278" r:id="rId10"/>
+    <p:sldId id="275" r:id="rId11"/>
+    <p:sldId id="276" r:id="rId12"/>
+    <p:sldId id="271" r:id="rId13"/>
+    <p:sldId id="277" r:id="rId14"/>
+    <p:sldId id="272" r:id="rId15"/>
   </p:sldIdLst>
   <p:sldSz cx="12192000" cy="6858000"/>
   <p:notesSz cx="6858000" cy="9144000"/>
@@ -6297,6 +6303,608 @@
 </p:notes>
 </file>
 
+<file path=ppt/notesSlides/notesSlide3.xml><?xml version="1.0" encoding="utf-8"?>
+<p:notes xmlns:a="http://schemas.openxmlformats.org/drawingml/2006/main" xmlns:r="http://schemas.openxmlformats.org/officeDocument/2006/relationships" xmlns:p="http://schemas.openxmlformats.org/presentationml/2006/main">
+  <p:cSld>
+    <p:spTree>
+      <p:nvGrpSpPr>
+        <p:cNvPr id="1" name=""/>
+        <p:cNvGrpSpPr/>
+        <p:nvPr/>
+      </p:nvGrpSpPr>
+      <p:grpSpPr>
+        <a:xfrm>
+          <a:off x="0" y="0"/>
+          <a:ext cx="0" cy="0"/>
+          <a:chOff x="0" y="0"/>
+          <a:chExt cx="0" cy="0"/>
+        </a:xfrm>
+      </p:grpSpPr>
+      <p:sp>
+        <p:nvSpPr>
+          <p:cNvPr id="2" name="Slide Image Placeholder 1"/>
+          <p:cNvSpPr>
+            <a:spLocks noGrp="1" noRot="1" noChangeAspect="1"/>
+          </p:cNvSpPr>
+          <p:nvPr>
+            <p:ph type="sldImg"/>
+          </p:nvPr>
+        </p:nvSpPr>
+        <p:spPr/>
+      </p:sp>
+      <p:sp>
+        <p:nvSpPr>
+          <p:cNvPr id="3" name="Notes Placeholder 2"/>
+          <p:cNvSpPr>
+            <a:spLocks noGrp="1"/>
+          </p:cNvSpPr>
+          <p:nvPr>
+            <p:ph type="body" idx="1"/>
+          </p:nvPr>
+        </p:nvSpPr>
+        <p:spPr/>
+        <p:txBody>
+          <a:bodyPr/>
+          <a:lstStyle/>
+          <a:p>
+            <a:endParaRPr lang="en-US" dirty="0"/>
+          </a:p>
+        </p:txBody>
+      </p:sp>
+      <p:sp>
+        <p:nvSpPr>
+          <p:cNvPr id="4" name="Slide Number Placeholder 3"/>
+          <p:cNvSpPr>
+            <a:spLocks noGrp="1"/>
+          </p:cNvSpPr>
+          <p:nvPr>
+            <p:ph type="sldNum" sz="quarter" idx="5"/>
+          </p:nvPr>
+        </p:nvSpPr>
+        <p:spPr/>
+        <p:txBody>
+          <a:bodyPr/>
+          <a:lstStyle/>
+          <a:p>
+            <a:fld id="{297094E8-3009-47D0-9423-EBC369D53B0E}" type="slidenum">
+              <a:rPr lang="en-US" smtClean="0"/>
+              <a:t>6</a:t>
+            </a:fld>
+            <a:endParaRPr lang="en-US"/>
+          </a:p>
+        </p:txBody>
+      </p:sp>
+    </p:spTree>
+    <p:extLst>
+      <p:ext uri="{BB962C8B-B14F-4D97-AF65-F5344CB8AC3E}">
+        <p14:creationId xmlns:p14="http://schemas.microsoft.com/office/powerpoint/2010/main" val="606445707"/>
+      </p:ext>
+    </p:extLst>
+  </p:cSld>
+  <p:clrMapOvr>
+    <a:masterClrMapping/>
+  </p:clrMapOvr>
+</p:notes>
+</file>
+
+<file path=ppt/notesSlides/notesSlide4.xml><?xml version="1.0" encoding="utf-8"?>
+<p:notes xmlns:a="http://schemas.openxmlformats.org/drawingml/2006/main" xmlns:r="http://schemas.openxmlformats.org/officeDocument/2006/relationships" xmlns:p="http://schemas.openxmlformats.org/presentationml/2006/main">
+  <p:cSld>
+    <p:spTree>
+      <p:nvGrpSpPr>
+        <p:cNvPr id="1" name=""/>
+        <p:cNvGrpSpPr/>
+        <p:nvPr/>
+      </p:nvGrpSpPr>
+      <p:grpSpPr>
+        <a:xfrm>
+          <a:off x="0" y="0"/>
+          <a:ext cx="0" cy="0"/>
+          <a:chOff x="0" y="0"/>
+          <a:chExt cx="0" cy="0"/>
+        </a:xfrm>
+      </p:grpSpPr>
+      <p:sp>
+        <p:nvSpPr>
+          <p:cNvPr id="2" name="Slide Image Placeholder 1"/>
+          <p:cNvSpPr>
+            <a:spLocks noGrp="1" noRot="1" noChangeAspect="1"/>
+          </p:cNvSpPr>
+          <p:nvPr>
+            <p:ph type="sldImg"/>
+          </p:nvPr>
+        </p:nvSpPr>
+        <p:spPr/>
+      </p:sp>
+      <p:sp>
+        <p:nvSpPr>
+          <p:cNvPr id="3" name="Notes Placeholder 2"/>
+          <p:cNvSpPr>
+            <a:spLocks noGrp="1"/>
+          </p:cNvSpPr>
+          <p:nvPr>
+            <p:ph type="body" idx="1"/>
+          </p:nvPr>
+        </p:nvSpPr>
+        <p:spPr/>
+        <p:txBody>
+          <a:bodyPr/>
+          <a:lstStyle/>
+          <a:p>
+            <a:endParaRPr lang="en-US" dirty="0"/>
+          </a:p>
+        </p:txBody>
+      </p:sp>
+      <p:sp>
+        <p:nvSpPr>
+          <p:cNvPr id="4" name="Slide Number Placeholder 3"/>
+          <p:cNvSpPr>
+            <a:spLocks noGrp="1"/>
+          </p:cNvSpPr>
+          <p:nvPr>
+            <p:ph type="sldNum" sz="quarter" idx="5"/>
+          </p:nvPr>
+        </p:nvSpPr>
+        <p:spPr/>
+        <p:txBody>
+          <a:bodyPr/>
+          <a:lstStyle/>
+          <a:p>
+            <a:fld id="{297094E8-3009-47D0-9423-EBC369D53B0E}" type="slidenum">
+              <a:rPr lang="en-US" smtClean="0"/>
+              <a:t>7</a:t>
+            </a:fld>
+            <a:endParaRPr lang="en-US"/>
+          </a:p>
+        </p:txBody>
+      </p:sp>
+    </p:spTree>
+    <p:extLst>
+      <p:ext uri="{BB962C8B-B14F-4D97-AF65-F5344CB8AC3E}">
+        <p14:creationId xmlns:p14="http://schemas.microsoft.com/office/powerpoint/2010/main" val="2318496554"/>
+      </p:ext>
+    </p:extLst>
+  </p:cSld>
+  <p:clrMapOvr>
+    <a:masterClrMapping/>
+  </p:clrMapOvr>
+</p:notes>
+</file>
+
+<file path=ppt/notesSlides/notesSlide5.xml><?xml version="1.0" encoding="utf-8"?>
+<p:notes xmlns:a="http://schemas.openxmlformats.org/drawingml/2006/main" xmlns:r="http://schemas.openxmlformats.org/officeDocument/2006/relationships" xmlns:p="http://schemas.openxmlformats.org/presentationml/2006/main">
+  <p:cSld>
+    <p:spTree>
+      <p:nvGrpSpPr>
+        <p:cNvPr id="1" name=""/>
+        <p:cNvGrpSpPr/>
+        <p:nvPr/>
+      </p:nvGrpSpPr>
+      <p:grpSpPr>
+        <a:xfrm>
+          <a:off x="0" y="0"/>
+          <a:ext cx="0" cy="0"/>
+          <a:chOff x="0" y="0"/>
+          <a:chExt cx="0" cy="0"/>
+        </a:xfrm>
+      </p:grpSpPr>
+      <p:sp>
+        <p:nvSpPr>
+          <p:cNvPr id="2" name="Slide Image Placeholder 1"/>
+          <p:cNvSpPr>
+            <a:spLocks noGrp="1" noRot="1" noChangeAspect="1"/>
+          </p:cNvSpPr>
+          <p:nvPr>
+            <p:ph type="sldImg"/>
+          </p:nvPr>
+        </p:nvSpPr>
+        <p:spPr/>
+      </p:sp>
+      <p:sp>
+        <p:nvSpPr>
+          <p:cNvPr id="3" name="Notes Placeholder 2"/>
+          <p:cNvSpPr>
+            <a:spLocks noGrp="1"/>
+          </p:cNvSpPr>
+          <p:nvPr>
+            <p:ph type="body" idx="1"/>
+          </p:nvPr>
+        </p:nvSpPr>
+        <p:spPr/>
+        <p:txBody>
+          <a:bodyPr/>
+          <a:lstStyle/>
+          <a:p>
+            <a:endParaRPr lang="en-US" dirty="0"/>
+          </a:p>
+        </p:txBody>
+      </p:sp>
+      <p:sp>
+        <p:nvSpPr>
+          <p:cNvPr id="4" name="Slide Number Placeholder 3"/>
+          <p:cNvSpPr>
+            <a:spLocks noGrp="1"/>
+          </p:cNvSpPr>
+          <p:nvPr>
+            <p:ph type="sldNum" sz="quarter" idx="5"/>
+          </p:nvPr>
+        </p:nvSpPr>
+        <p:spPr/>
+        <p:txBody>
+          <a:bodyPr/>
+          <a:lstStyle/>
+          <a:p>
+            <a:fld id="{297094E8-3009-47D0-9423-EBC369D53B0E}" type="slidenum">
+              <a:rPr lang="en-US" smtClean="0"/>
+              <a:t>8</a:t>
+            </a:fld>
+            <a:endParaRPr lang="en-US"/>
+          </a:p>
+        </p:txBody>
+      </p:sp>
+    </p:spTree>
+    <p:extLst>
+      <p:ext uri="{BB962C8B-B14F-4D97-AF65-F5344CB8AC3E}">
+        <p14:creationId xmlns:p14="http://schemas.microsoft.com/office/powerpoint/2010/main" val="2810766991"/>
+      </p:ext>
+    </p:extLst>
+  </p:cSld>
+  <p:clrMapOvr>
+    <a:masterClrMapping/>
+  </p:clrMapOvr>
+</p:notes>
+</file>
+
+<file path=ppt/notesSlides/notesSlide6.xml><?xml version="1.0" encoding="utf-8"?>
+<p:notes xmlns:a="http://schemas.openxmlformats.org/drawingml/2006/main" xmlns:r="http://schemas.openxmlformats.org/officeDocument/2006/relationships" xmlns:p="http://schemas.openxmlformats.org/presentationml/2006/main">
+  <p:cSld>
+    <p:spTree>
+      <p:nvGrpSpPr>
+        <p:cNvPr id="1" name=""/>
+        <p:cNvGrpSpPr/>
+        <p:nvPr/>
+      </p:nvGrpSpPr>
+      <p:grpSpPr>
+        <a:xfrm>
+          <a:off x="0" y="0"/>
+          <a:ext cx="0" cy="0"/>
+          <a:chOff x="0" y="0"/>
+          <a:chExt cx="0" cy="0"/>
+        </a:xfrm>
+      </p:grpSpPr>
+      <p:sp>
+        <p:nvSpPr>
+          <p:cNvPr id="2" name="Slide Image Placeholder 1"/>
+          <p:cNvSpPr>
+            <a:spLocks noGrp="1" noRot="1" noChangeAspect="1"/>
+          </p:cNvSpPr>
+          <p:nvPr>
+            <p:ph type="sldImg"/>
+          </p:nvPr>
+        </p:nvSpPr>
+        <p:spPr/>
+      </p:sp>
+      <p:sp>
+        <p:nvSpPr>
+          <p:cNvPr id="3" name="Notes Placeholder 2"/>
+          <p:cNvSpPr>
+            <a:spLocks noGrp="1"/>
+          </p:cNvSpPr>
+          <p:nvPr>
+            <p:ph type="body" idx="1"/>
+          </p:nvPr>
+        </p:nvSpPr>
+        <p:spPr/>
+        <p:txBody>
+          <a:bodyPr/>
+          <a:lstStyle/>
+          <a:p>
+            <a:endParaRPr lang="en-US" dirty="0"/>
+          </a:p>
+        </p:txBody>
+      </p:sp>
+      <p:sp>
+        <p:nvSpPr>
+          <p:cNvPr id="4" name="Slide Number Placeholder 3"/>
+          <p:cNvSpPr>
+            <a:spLocks noGrp="1"/>
+          </p:cNvSpPr>
+          <p:nvPr>
+            <p:ph type="sldNum" sz="quarter" idx="5"/>
+          </p:nvPr>
+        </p:nvSpPr>
+        <p:spPr/>
+        <p:txBody>
+          <a:bodyPr/>
+          <a:lstStyle/>
+          <a:p>
+            <a:fld id="{297094E8-3009-47D0-9423-EBC369D53B0E}" type="slidenum">
+              <a:rPr lang="en-US" smtClean="0"/>
+              <a:t>9</a:t>
+            </a:fld>
+            <a:endParaRPr lang="en-US"/>
+          </a:p>
+        </p:txBody>
+      </p:sp>
+    </p:spTree>
+    <p:extLst>
+      <p:ext uri="{BB962C8B-B14F-4D97-AF65-F5344CB8AC3E}">
+        <p14:creationId xmlns:p14="http://schemas.microsoft.com/office/powerpoint/2010/main" val="2904637208"/>
+      </p:ext>
+    </p:extLst>
+  </p:cSld>
+  <p:clrMapOvr>
+    <a:masterClrMapping/>
+  </p:clrMapOvr>
+</p:notes>
+</file>
+
+<file path=ppt/notesSlides/notesSlide7.xml><?xml version="1.0" encoding="utf-8"?>
+<p:notes xmlns:a="http://schemas.openxmlformats.org/drawingml/2006/main" xmlns:r="http://schemas.openxmlformats.org/officeDocument/2006/relationships" xmlns:p="http://schemas.openxmlformats.org/presentationml/2006/main">
+  <p:cSld>
+    <p:spTree>
+      <p:nvGrpSpPr>
+        <p:cNvPr id="1" name=""/>
+        <p:cNvGrpSpPr/>
+        <p:nvPr/>
+      </p:nvGrpSpPr>
+      <p:grpSpPr>
+        <a:xfrm>
+          <a:off x="0" y="0"/>
+          <a:ext cx="0" cy="0"/>
+          <a:chOff x="0" y="0"/>
+          <a:chExt cx="0" cy="0"/>
+        </a:xfrm>
+      </p:grpSpPr>
+      <p:sp>
+        <p:nvSpPr>
+          <p:cNvPr id="2" name="Slide Image Placeholder 1"/>
+          <p:cNvSpPr>
+            <a:spLocks noGrp="1" noRot="1" noChangeAspect="1"/>
+          </p:cNvSpPr>
+          <p:nvPr>
+            <p:ph type="sldImg"/>
+          </p:nvPr>
+        </p:nvSpPr>
+        <p:spPr/>
+      </p:sp>
+      <p:sp>
+        <p:nvSpPr>
+          <p:cNvPr id="3" name="Notes Placeholder 2"/>
+          <p:cNvSpPr>
+            <a:spLocks noGrp="1"/>
+          </p:cNvSpPr>
+          <p:nvPr>
+            <p:ph type="body" idx="1"/>
+          </p:nvPr>
+        </p:nvSpPr>
+        <p:spPr/>
+        <p:txBody>
+          <a:bodyPr/>
+          <a:lstStyle/>
+          <a:p>
+            <a:pPr marL="171450" indent="-171450">
+              <a:buFont typeface="Arial" panose="020B0604020202020204" pitchFamily="34" charset="0"/>
+              <a:buChar char="•"/>
+            </a:pPr>
+            <a:r>
+              <a:rPr lang="en-US" dirty="0"/>
+              <a:t>Visual ARIA - </a:t>
+            </a:r>
+            <a:r>
+              <a:rPr lang="en-US" dirty="0">
+                <a:hlinkClick r:id="rId3"/>
+              </a:rPr>
+              <a:t>Visual ARIA - Chrome Web Store (google.com)</a:t>
+            </a:r>
+            <a:endParaRPr lang="en-US" dirty="0"/>
+          </a:p>
+        </p:txBody>
+      </p:sp>
+      <p:sp>
+        <p:nvSpPr>
+          <p:cNvPr id="4" name="Slide Number Placeholder 3"/>
+          <p:cNvSpPr>
+            <a:spLocks noGrp="1"/>
+          </p:cNvSpPr>
+          <p:nvPr>
+            <p:ph type="sldNum" sz="quarter" idx="5"/>
+          </p:nvPr>
+        </p:nvSpPr>
+        <p:spPr/>
+        <p:txBody>
+          <a:bodyPr/>
+          <a:lstStyle/>
+          <a:p>
+            <a:fld id="{297094E8-3009-47D0-9423-EBC369D53B0E}" type="slidenum">
+              <a:rPr lang="en-US" smtClean="0"/>
+              <a:t>10</a:t>
+            </a:fld>
+            <a:endParaRPr lang="en-US"/>
+          </a:p>
+        </p:txBody>
+      </p:sp>
+    </p:spTree>
+    <p:extLst>
+      <p:ext uri="{BB962C8B-B14F-4D97-AF65-F5344CB8AC3E}">
+        <p14:creationId xmlns:p14="http://schemas.microsoft.com/office/powerpoint/2010/main" val="333735249"/>
+      </p:ext>
+    </p:extLst>
+  </p:cSld>
+  <p:clrMapOvr>
+    <a:masterClrMapping/>
+  </p:clrMapOvr>
+</p:notes>
+</file>
+
+<file path=ppt/notesSlides/notesSlide8.xml><?xml version="1.0" encoding="utf-8"?>
+<p:notes xmlns:a="http://schemas.openxmlformats.org/drawingml/2006/main" xmlns:r="http://schemas.openxmlformats.org/officeDocument/2006/relationships" xmlns:p="http://schemas.openxmlformats.org/presentationml/2006/main">
+  <p:cSld>
+    <p:spTree>
+      <p:nvGrpSpPr>
+        <p:cNvPr id="1" name=""/>
+        <p:cNvGrpSpPr/>
+        <p:nvPr/>
+      </p:nvGrpSpPr>
+      <p:grpSpPr>
+        <a:xfrm>
+          <a:off x="0" y="0"/>
+          <a:ext cx="0" cy="0"/>
+          <a:chOff x="0" y="0"/>
+          <a:chExt cx="0" cy="0"/>
+        </a:xfrm>
+      </p:grpSpPr>
+      <p:sp>
+        <p:nvSpPr>
+          <p:cNvPr id="2" name="Slide Image Placeholder 1"/>
+          <p:cNvSpPr>
+            <a:spLocks noGrp="1" noRot="1" noChangeAspect="1"/>
+          </p:cNvSpPr>
+          <p:nvPr>
+            <p:ph type="sldImg"/>
+          </p:nvPr>
+        </p:nvSpPr>
+        <p:spPr/>
+      </p:sp>
+      <p:sp>
+        <p:nvSpPr>
+          <p:cNvPr id="3" name="Notes Placeholder 2"/>
+          <p:cNvSpPr>
+            <a:spLocks noGrp="1"/>
+          </p:cNvSpPr>
+          <p:nvPr>
+            <p:ph type="body" idx="1"/>
+          </p:nvPr>
+        </p:nvSpPr>
+        <p:spPr/>
+        <p:txBody>
+          <a:bodyPr/>
+          <a:lstStyle/>
+          <a:p>
+            <a:endParaRPr lang="en-US" dirty="0"/>
+          </a:p>
+        </p:txBody>
+      </p:sp>
+      <p:sp>
+        <p:nvSpPr>
+          <p:cNvPr id="4" name="Slide Number Placeholder 3"/>
+          <p:cNvSpPr>
+            <a:spLocks noGrp="1"/>
+          </p:cNvSpPr>
+          <p:nvPr>
+            <p:ph type="sldNum" sz="quarter" idx="5"/>
+          </p:nvPr>
+        </p:nvSpPr>
+        <p:spPr/>
+        <p:txBody>
+          <a:bodyPr/>
+          <a:lstStyle/>
+          <a:p>
+            <a:fld id="{297094E8-3009-47D0-9423-EBC369D53B0E}" type="slidenum">
+              <a:rPr lang="en-US" smtClean="0"/>
+              <a:t>11</a:t>
+            </a:fld>
+            <a:endParaRPr lang="en-US"/>
+          </a:p>
+        </p:txBody>
+      </p:sp>
+    </p:spTree>
+    <p:extLst>
+      <p:ext uri="{BB962C8B-B14F-4D97-AF65-F5344CB8AC3E}">
+        <p14:creationId xmlns:p14="http://schemas.microsoft.com/office/powerpoint/2010/main" val="2144912867"/>
+      </p:ext>
+    </p:extLst>
+  </p:cSld>
+  <p:clrMapOvr>
+    <a:masterClrMapping/>
+  </p:clrMapOvr>
+</p:notes>
+</file>
+
+<file path=ppt/notesSlides/notesSlide9.xml><?xml version="1.0" encoding="utf-8"?>
+<p:notes xmlns:a="http://schemas.openxmlformats.org/drawingml/2006/main" xmlns:r="http://schemas.openxmlformats.org/officeDocument/2006/relationships" xmlns:p="http://schemas.openxmlformats.org/presentationml/2006/main">
+  <p:cSld>
+    <p:spTree>
+      <p:nvGrpSpPr>
+        <p:cNvPr id="1" name=""/>
+        <p:cNvGrpSpPr/>
+        <p:nvPr/>
+      </p:nvGrpSpPr>
+      <p:grpSpPr>
+        <a:xfrm>
+          <a:off x="0" y="0"/>
+          <a:ext cx="0" cy="0"/>
+          <a:chOff x="0" y="0"/>
+          <a:chExt cx="0" cy="0"/>
+        </a:xfrm>
+      </p:grpSpPr>
+      <p:sp>
+        <p:nvSpPr>
+          <p:cNvPr id="2" name="Slide Image Placeholder 1"/>
+          <p:cNvSpPr>
+            <a:spLocks noGrp="1" noRot="1" noChangeAspect="1"/>
+          </p:cNvSpPr>
+          <p:nvPr>
+            <p:ph type="sldImg"/>
+          </p:nvPr>
+        </p:nvSpPr>
+        <p:spPr/>
+      </p:sp>
+      <p:sp>
+        <p:nvSpPr>
+          <p:cNvPr id="3" name="Notes Placeholder 2"/>
+          <p:cNvSpPr>
+            <a:spLocks noGrp="1"/>
+          </p:cNvSpPr>
+          <p:nvPr>
+            <p:ph type="body" idx="1"/>
+          </p:nvPr>
+        </p:nvSpPr>
+        <p:spPr/>
+        <p:txBody>
+          <a:bodyPr/>
+          <a:lstStyle/>
+          <a:p>
+            <a:endParaRPr lang="en-US" dirty="0"/>
+          </a:p>
+        </p:txBody>
+      </p:sp>
+      <p:sp>
+        <p:nvSpPr>
+          <p:cNvPr id="4" name="Slide Number Placeholder 3"/>
+          <p:cNvSpPr>
+            <a:spLocks noGrp="1"/>
+          </p:cNvSpPr>
+          <p:nvPr>
+            <p:ph type="sldNum" sz="quarter" idx="5"/>
+          </p:nvPr>
+        </p:nvSpPr>
+        <p:spPr/>
+        <p:txBody>
+          <a:bodyPr/>
+          <a:lstStyle/>
+          <a:p>
+            <a:fld id="{297094E8-3009-47D0-9423-EBC369D53B0E}" type="slidenum">
+              <a:rPr lang="en-US" smtClean="0"/>
+              <a:t>13</a:t>
+            </a:fld>
+            <a:endParaRPr lang="en-US"/>
+          </a:p>
+        </p:txBody>
+      </p:sp>
+    </p:spTree>
+    <p:extLst>
+      <p:ext uri="{BB962C8B-B14F-4D97-AF65-F5344CB8AC3E}">
+        <p14:creationId xmlns:p14="http://schemas.microsoft.com/office/powerpoint/2010/main" val="1593273751"/>
+      </p:ext>
+    </p:extLst>
+  </p:cSld>
+  <p:clrMapOvr>
+    <a:masterClrMapping/>
+  </p:clrMapOvr>
+</p:notes>
+</file>
+
 <file path=ppt/slideLayouts/slideLayout1.xml><?xml version="1.0" encoding="utf-8"?>
 <p:sldLayout xmlns:a="http://schemas.openxmlformats.org/drawingml/2006/main" xmlns:r="http://schemas.openxmlformats.org/officeDocument/2006/relationships" xmlns:p="http://schemas.openxmlformats.org/presentationml/2006/main" type="title" preserve="1">
   <p:cSld name="Title Slide">
@@ -11998,6 +12606,929 @@
 </p:sld>
 </file>
 
+<file path=ppt/slides/slide10.xml><?xml version="1.0" encoding="utf-8"?>
+<p:sld xmlns:a="http://schemas.openxmlformats.org/drawingml/2006/main" xmlns:r="http://schemas.openxmlformats.org/officeDocument/2006/relationships" xmlns:p="http://schemas.openxmlformats.org/presentationml/2006/main">
+  <p:cSld>
+    <p:spTree>
+      <p:nvGrpSpPr>
+        <p:cNvPr id="1" name=""/>
+        <p:cNvGrpSpPr/>
+        <p:nvPr/>
+      </p:nvGrpSpPr>
+      <p:grpSpPr>
+        <a:xfrm>
+          <a:off x="0" y="0"/>
+          <a:ext cx="0" cy="0"/>
+          <a:chOff x="0" y="0"/>
+          <a:chExt cx="0" cy="0"/>
+        </a:xfrm>
+      </p:grpSpPr>
+      <p:sp>
+        <p:nvSpPr>
+          <p:cNvPr id="2" name="Title 1">
+            <a:extLst>
+              <a:ext uri="{FF2B5EF4-FFF2-40B4-BE49-F238E27FC236}">
+                <a16:creationId xmlns:a16="http://schemas.microsoft.com/office/drawing/2014/main" id="{BFBE0A40-EF52-730B-174C-8DEE5AF23CE4}"/>
+              </a:ext>
+            </a:extLst>
+          </p:cNvPr>
+          <p:cNvSpPr>
+            <a:spLocks noGrp="1"/>
+          </p:cNvSpPr>
+          <p:nvPr>
+            <p:ph type="title"/>
+          </p:nvPr>
+        </p:nvSpPr>
+        <p:spPr>
+          <a:xfrm>
+            <a:off x="1" y="764373"/>
+            <a:ext cx="11506200" cy="1293028"/>
+          </a:xfrm>
+        </p:spPr>
+        <p:txBody>
+          <a:bodyPr/>
+          <a:lstStyle/>
+          <a:p>
+            <a:r>
+              <a:rPr lang="en-US" dirty="0"/>
+              <a:t>Tools and resources</a:t>
+            </a:r>
+            <a:br>
+              <a:rPr lang="en-US" dirty="0"/>
+            </a:br>
+            <a:r>
+              <a:rPr lang="en-US" sz="1800" dirty="0"/>
+              <a:t>Browser Extensions</a:t>
+            </a:r>
+          </a:p>
+        </p:txBody>
+      </p:sp>
+      <p:pic>
+        <p:nvPicPr>
+          <p:cNvPr id="4" name="Picture 3">
+            <a:extLst>
+              <a:ext uri="{FF2B5EF4-FFF2-40B4-BE49-F238E27FC236}">
+                <a16:creationId xmlns:a16="http://schemas.microsoft.com/office/drawing/2014/main" id="{8DA6D16C-1929-E53F-F3AA-EFD613180375}"/>
+              </a:ext>
+            </a:extLst>
+          </p:cNvPr>
+          <p:cNvPicPr>
+            <a:picLocks noChangeAspect="1"/>
+          </p:cNvPicPr>
+          <p:nvPr/>
+        </p:nvPicPr>
+        <p:blipFill>
+          <a:blip r:embed="rId3"/>
+          <a:stretch>
+            <a:fillRect/>
+          </a:stretch>
+        </p:blipFill>
+        <p:spPr>
+          <a:xfrm>
+            <a:off x="0" y="1615827"/>
+            <a:ext cx="6801799" cy="4201111"/>
+          </a:xfrm>
+          <a:prstGeom prst="rect">
+            <a:avLst/>
+          </a:prstGeom>
+        </p:spPr>
+      </p:pic>
+    </p:spTree>
+    <p:extLst>
+      <p:ext uri="{BB962C8B-B14F-4D97-AF65-F5344CB8AC3E}">
+        <p14:creationId xmlns:p14="http://schemas.microsoft.com/office/powerpoint/2010/main" val="3298386697"/>
+      </p:ext>
+    </p:extLst>
+  </p:cSld>
+  <p:clrMapOvr>
+    <a:masterClrMapping/>
+  </p:clrMapOvr>
+</p:sld>
+</file>
+
+<file path=ppt/slides/slide11.xml><?xml version="1.0" encoding="utf-8"?>
+<p:sld xmlns:a="http://schemas.openxmlformats.org/drawingml/2006/main" xmlns:r="http://schemas.openxmlformats.org/officeDocument/2006/relationships" xmlns:p="http://schemas.openxmlformats.org/presentationml/2006/main">
+  <p:cSld>
+    <p:spTree>
+      <p:nvGrpSpPr>
+        <p:cNvPr id="1" name=""/>
+        <p:cNvGrpSpPr/>
+        <p:nvPr/>
+      </p:nvGrpSpPr>
+      <p:grpSpPr>
+        <a:xfrm>
+          <a:off x="0" y="0"/>
+          <a:ext cx="0" cy="0"/>
+          <a:chOff x="0" y="0"/>
+          <a:chExt cx="0" cy="0"/>
+        </a:xfrm>
+      </p:grpSpPr>
+      <p:sp>
+        <p:nvSpPr>
+          <p:cNvPr id="2" name="Title 1">
+            <a:extLst>
+              <a:ext uri="{FF2B5EF4-FFF2-40B4-BE49-F238E27FC236}">
+                <a16:creationId xmlns:a16="http://schemas.microsoft.com/office/drawing/2014/main" id="{BFBE0A40-EF52-730B-174C-8DEE5AF23CE4}"/>
+              </a:ext>
+            </a:extLst>
+          </p:cNvPr>
+          <p:cNvSpPr>
+            <a:spLocks noGrp="1"/>
+          </p:cNvSpPr>
+          <p:nvPr>
+            <p:ph type="title"/>
+          </p:nvPr>
+        </p:nvSpPr>
+        <p:spPr>
+          <a:xfrm>
+            <a:off x="1" y="764373"/>
+            <a:ext cx="11506200" cy="1293028"/>
+          </a:xfrm>
+        </p:spPr>
+        <p:txBody>
+          <a:bodyPr/>
+          <a:lstStyle/>
+          <a:p>
+            <a:r>
+              <a:rPr lang="en-US" dirty="0"/>
+              <a:t>Tools and resources</a:t>
+            </a:r>
+            <a:br>
+              <a:rPr lang="en-US" dirty="0"/>
+            </a:br>
+            <a:r>
+              <a:rPr lang="en-US" sz="1800" dirty="0"/>
+              <a:t>Bookmarklets</a:t>
+            </a:r>
+          </a:p>
+        </p:txBody>
+      </p:sp>
+      <p:sp>
+        <p:nvSpPr>
+          <p:cNvPr id="6" name="TextBox 5">
+            <a:extLst>
+              <a:ext uri="{FF2B5EF4-FFF2-40B4-BE49-F238E27FC236}">
+                <a16:creationId xmlns:a16="http://schemas.microsoft.com/office/drawing/2014/main" id="{2E84A865-1719-50D2-090C-372A6B8E1E71}"/>
+              </a:ext>
+            </a:extLst>
+          </p:cNvPr>
+          <p:cNvSpPr txBox="1"/>
+          <p:nvPr/>
+        </p:nvSpPr>
+        <p:spPr>
+          <a:xfrm>
+            <a:off x="731520" y="2413337"/>
+            <a:ext cx="10528663" cy="2246769"/>
+          </a:xfrm>
+          <a:prstGeom prst="rect">
+            <a:avLst/>
+          </a:prstGeom>
+          <a:noFill/>
+        </p:spPr>
+        <p:txBody>
+          <a:bodyPr wrap="square">
+            <a:spAutoFit/>
+          </a:bodyPr>
+          <a:lstStyle/>
+          <a:p>
+            <a:pPr marL="171450" indent="-171450">
+              <a:buFont typeface="Arial" panose="020B0604020202020204" pitchFamily="34" charset="0"/>
+              <a:buChar char="•"/>
+            </a:pPr>
+            <a:r>
+              <a:rPr lang="en-US" sz="2000" b="0" i="0" u="sng" dirty="0">
+                <a:effectLst/>
+                <a:latin typeface="Calibri" panose="020F0502020204030204" pitchFamily="34" charset="0"/>
+                <a:ea typeface="Calibri" panose="020F0502020204030204" pitchFamily="34" charset="0"/>
+                <a:cs typeface="Calibri" panose="020F0502020204030204" pitchFamily="34" charset="0"/>
+                <a:hlinkClick r:id="rId3"/>
+              </a:rPr>
+              <a:t>Find Landmarks on Web Page with A11Y Bookmarklet | HolisticA11Y</a:t>
+            </a:r>
+            <a:endParaRPr lang="en-US" sz="2000" b="0" i="0" u="sng" dirty="0">
+              <a:effectLst/>
+              <a:latin typeface="Calibri" panose="020F0502020204030204" pitchFamily="34" charset="0"/>
+              <a:ea typeface="Calibri" panose="020F0502020204030204" pitchFamily="34" charset="0"/>
+              <a:cs typeface="Calibri" panose="020F0502020204030204" pitchFamily="34" charset="0"/>
+            </a:endParaRPr>
+          </a:p>
+          <a:p>
+            <a:pPr marL="171450" indent="-171450">
+              <a:buFont typeface="Arial" panose="020B0604020202020204" pitchFamily="34" charset="0"/>
+              <a:buChar char="•"/>
+            </a:pPr>
+            <a:r>
+              <a:rPr lang="en-US" sz="2000" b="0" i="0" u="none" strike="noStrike" dirty="0">
+                <a:effectLst/>
+                <a:latin typeface="Calibri" panose="020F0502020204030204" pitchFamily="34" charset="0"/>
+                <a:ea typeface="Calibri" panose="020F0502020204030204" pitchFamily="34" charset="0"/>
+                <a:cs typeface="Calibri" panose="020F0502020204030204" pitchFamily="34" charset="0"/>
+                <a:hlinkClick r:id="rId4"/>
+              </a:rPr>
+              <a:t>Forms Bookmarklet for Accessibility Testing (pauljadam.com)</a:t>
+            </a:r>
+            <a:endParaRPr lang="en-US" sz="2000" b="0" i="0" u="sng" strike="noStrike" dirty="0">
+              <a:effectLst/>
+              <a:latin typeface="Calibri" panose="020F0502020204030204" pitchFamily="34" charset="0"/>
+              <a:ea typeface="Calibri" panose="020F0502020204030204" pitchFamily="34" charset="0"/>
+              <a:cs typeface="Calibri" panose="020F0502020204030204" pitchFamily="34" charset="0"/>
+            </a:endParaRPr>
+          </a:p>
+          <a:p>
+            <a:pPr marL="171450" indent="-171450">
+              <a:buFont typeface="Arial" panose="020B0604020202020204" pitchFamily="34" charset="0"/>
+              <a:buChar char="•"/>
+            </a:pPr>
+            <a:r>
+              <a:rPr lang="en-US" sz="2000" b="0" i="0" u="none" strike="noStrike" dirty="0">
+                <a:effectLst/>
+                <a:latin typeface="Calibri" panose="020F0502020204030204" pitchFamily="34" charset="0"/>
+                <a:ea typeface="Calibri" panose="020F0502020204030204" pitchFamily="34" charset="0"/>
+                <a:cs typeface="Calibri" panose="020F0502020204030204" pitchFamily="34" charset="0"/>
+                <a:hlinkClick r:id="rId5"/>
+              </a:rPr>
+              <a:t>ARIA Bookmarklet for Accessibility Testing (pauljadam.com)</a:t>
+            </a:r>
+            <a:endParaRPr lang="en-US" sz="2000" b="0" i="0" u="sng" strike="noStrike" dirty="0">
+              <a:effectLst/>
+              <a:latin typeface="Calibri" panose="020F0502020204030204" pitchFamily="34" charset="0"/>
+              <a:ea typeface="Calibri" panose="020F0502020204030204" pitchFamily="34" charset="0"/>
+              <a:cs typeface="Calibri" panose="020F0502020204030204" pitchFamily="34" charset="0"/>
+            </a:endParaRPr>
+          </a:p>
+          <a:p>
+            <a:pPr marL="171450" indent="-171450">
+              <a:buFont typeface="Arial" panose="020B0604020202020204" pitchFamily="34" charset="0"/>
+              <a:buChar char="•"/>
+            </a:pPr>
+            <a:r>
+              <a:rPr lang="en-US" sz="2000" b="0" i="0" u="sng" strike="noStrike" dirty="0">
+                <a:effectLst/>
+                <a:latin typeface="Calibri" panose="020F0502020204030204" pitchFamily="34" charset="0"/>
+                <a:ea typeface="Calibri" panose="020F0502020204030204" pitchFamily="34" charset="0"/>
+                <a:cs typeface="Calibri" panose="020F0502020204030204" pitchFamily="34" charset="0"/>
+              </a:rPr>
+              <a:t>Text spacing bookmarklet - </a:t>
+            </a:r>
+            <a:r>
+              <a:rPr lang="en-US" sz="2000" dirty="0">
+                <a:latin typeface="Calibri" panose="020F0502020204030204" pitchFamily="34" charset="0"/>
+                <a:ea typeface="Calibri" panose="020F0502020204030204" pitchFamily="34" charset="0"/>
+                <a:cs typeface="Calibri" panose="020F0502020204030204" pitchFamily="34" charset="0"/>
+                <a:hlinkClick r:id="rId6"/>
+              </a:rPr>
+              <a:t>Bookmarklets (dylanb.github.io)</a:t>
+            </a:r>
+            <a:endParaRPr lang="en-US" sz="2000" dirty="0">
+              <a:latin typeface="Calibri" panose="020F0502020204030204" pitchFamily="34" charset="0"/>
+              <a:ea typeface="Calibri" panose="020F0502020204030204" pitchFamily="34" charset="0"/>
+              <a:cs typeface="Calibri" panose="020F0502020204030204" pitchFamily="34" charset="0"/>
+            </a:endParaRPr>
+          </a:p>
+          <a:p>
+            <a:pPr marL="171450" indent="-171450">
+              <a:buFont typeface="Arial" panose="020B0604020202020204" pitchFamily="34" charset="0"/>
+              <a:buChar char="•"/>
+            </a:pPr>
+            <a:r>
+              <a:rPr lang="en-US" sz="2000" dirty="0">
+                <a:latin typeface="Calibri" panose="020F0502020204030204" pitchFamily="34" charset="0"/>
+                <a:ea typeface="Calibri" panose="020F0502020204030204" pitchFamily="34" charset="0"/>
+                <a:cs typeface="Calibri" panose="020F0502020204030204" pitchFamily="34" charset="0"/>
+              </a:rPr>
+              <a:t>Assorted Accessibility Bookmarklets for Landmarks, Headings, and more: </a:t>
+            </a:r>
+            <a:r>
+              <a:rPr lang="en-US" sz="2000" dirty="0">
+                <a:latin typeface="Calibri" panose="020F0502020204030204" pitchFamily="34" charset="0"/>
+                <a:ea typeface="Calibri" panose="020F0502020204030204" pitchFamily="34" charset="0"/>
+                <a:cs typeface="Calibri" panose="020F0502020204030204" pitchFamily="34" charset="0"/>
+                <a:hlinkClick r:id="rId7"/>
+              </a:rPr>
+              <a:t>Accessibility Bookmarklets (accessibility-bookmarklets.org)</a:t>
+            </a:r>
+            <a:endParaRPr lang="en-US" sz="2000" dirty="0">
+              <a:latin typeface="Calibri" panose="020F0502020204030204" pitchFamily="34" charset="0"/>
+              <a:ea typeface="Calibri" panose="020F0502020204030204" pitchFamily="34" charset="0"/>
+              <a:cs typeface="Calibri" panose="020F0502020204030204" pitchFamily="34" charset="0"/>
+            </a:endParaRPr>
+          </a:p>
+          <a:p>
+            <a:pPr marL="171450" indent="-171450">
+              <a:buFont typeface="Arial" panose="020B0604020202020204" pitchFamily="34" charset="0"/>
+              <a:buChar char="•"/>
+            </a:pPr>
+            <a:r>
+              <a:rPr lang="en-US" sz="2000" dirty="0">
+                <a:latin typeface="Calibri" panose="020F0502020204030204" pitchFamily="34" charset="0"/>
+                <a:ea typeface="Calibri" panose="020F0502020204030204" pitchFamily="34" charset="0"/>
+                <a:cs typeface="Calibri" panose="020F0502020204030204" pitchFamily="34" charset="0"/>
+                <a:hlinkClick r:id="rId8"/>
+              </a:rPr>
+              <a:t>ANDI - Accessibility Testing Tool - Install (ssa.gov)</a:t>
+            </a:r>
+            <a:endParaRPr lang="en-US" sz="2000" dirty="0">
+              <a:latin typeface="Calibri" panose="020F0502020204030204" pitchFamily="34" charset="0"/>
+              <a:ea typeface="Calibri" panose="020F0502020204030204" pitchFamily="34" charset="0"/>
+              <a:cs typeface="Calibri" panose="020F0502020204030204" pitchFamily="34" charset="0"/>
+            </a:endParaRPr>
+          </a:p>
+        </p:txBody>
+      </p:sp>
+    </p:spTree>
+    <p:extLst>
+      <p:ext uri="{BB962C8B-B14F-4D97-AF65-F5344CB8AC3E}">
+        <p14:creationId xmlns:p14="http://schemas.microsoft.com/office/powerpoint/2010/main" val="3740727404"/>
+      </p:ext>
+    </p:extLst>
+  </p:cSld>
+  <p:clrMapOvr>
+    <a:masterClrMapping/>
+  </p:clrMapOvr>
+</p:sld>
+</file>
+
+<file path=ppt/slides/slide12.xml><?xml version="1.0" encoding="utf-8"?>
+<p:sld xmlns:a="http://schemas.openxmlformats.org/drawingml/2006/main" xmlns:r="http://schemas.openxmlformats.org/officeDocument/2006/relationships" xmlns:p="http://schemas.openxmlformats.org/presentationml/2006/main">
+  <p:cSld>
+    <p:spTree>
+      <p:nvGrpSpPr>
+        <p:cNvPr id="1" name=""/>
+        <p:cNvGrpSpPr/>
+        <p:nvPr/>
+      </p:nvGrpSpPr>
+      <p:grpSpPr>
+        <a:xfrm>
+          <a:off x="0" y="0"/>
+          <a:ext cx="0" cy="0"/>
+          <a:chOff x="0" y="0"/>
+          <a:chExt cx="0" cy="0"/>
+        </a:xfrm>
+      </p:grpSpPr>
+      <p:sp>
+        <p:nvSpPr>
+          <p:cNvPr id="2" name="Title 1">
+            <a:extLst>
+              <a:ext uri="{FF2B5EF4-FFF2-40B4-BE49-F238E27FC236}">
+                <a16:creationId xmlns:a16="http://schemas.microsoft.com/office/drawing/2014/main" id="{BFBE0A40-EF52-730B-174C-8DEE5AF23CE4}"/>
+              </a:ext>
+            </a:extLst>
+          </p:cNvPr>
+          <p:cNvSpPr>
+            <a:spLocks noGrp="1"/>
+          </p:cNvSpPr>
+          <p:nvPr>
+            <p:ph type="title"/>
+          </p:nvPr>
+        </p:nvSpPr>
+        <p:spPr>
+          <a:xfrm>
+            <a:off x="1" y="764373"/>
+            <a:ext cx="11506200" cy="1293028"/>
+          </a:xfrm>
+        </p:spPr>
+        <p:txBody>
+          <a:bodyPr>
+            <a:normAutofit fontScale="90000"/>
+          </a:bodyPr>
+          <a:lstStyle/>
+          <a:p>
+            <a:r>
+              <a:rPr lang="en-US" dirty="0"/>
+              <a:t>Tools and resources</a:t>
+            </a:r>
+            <a:br>
+              <a:rPr lang="en-US" dirty="0"/>
+            </a:br>
+            <a:r>
+              <a:rPr lang="en-US" sz="2000" dirty="0"/>
+              <a:t>Additional Resources</a:t>
+            </a:r>
+            <a:br>
+              <a:rPr lang="en-US" dirty="0"/>
+            </a:br>
+            <a:endParaRPr lang="en-US" dirty="0"/>
+          </a:p>
+        </p:txBody>
+      </p:sp>
+      <p:sp>
+        <p:nvSpPr>
+          <p:cNvPr id="3" name="Content Placeholder 2">
+            <a:extLst>
+              <a:ext uri="{FF2B5EF4-FFF2-40B4-BE49-F238E27FC236}">
+                <a16:creationId xmlns:a16="http://schemas.microsoft.com/office/drawing/2014/main" id="{7829BE99-CC9F-E89F-67D7-DD0AF66AC11A}"/>
+              </a:ext>
+            </a:extLst>
+          </p:cNvPr>
+          <p:cNvSpPr>
+            <a:spLocks noGrp="1"/>
+          </p:cNvSpPr>
+          <p:nvPr>
+            <p:ph idx="1"/>
+          </p:nvPr>
+        </p:nvSpPr>
+        <p:spPr>
+          <a:xfrm>
+            <a:off x="685798" y="1801028"/>
+            <a:ext cx="11384281" cy="5056972"/>
+          </a:xfrm>
+        </p:spPr>
+        <p:txBody>
+          <a:bodyPr>
+            <a:noAutofit/>
+          </a:bodyPr>
+          <a:lstStyle/>
+          <a:p>
+            <a:r>
+              <a:rPr lang="en-US" sz="1200" b="1" dirty="0">
+                <a:hlinkClick r:id="rId2"/>
+              </a:rPr>
+              <a:t>Accessibility Insights</a:t>
+            </a:r>
+            <a:r>
+              <a:rPr lang="en-US" sz="1200" dirty="0"/>
+              <a:t> – A Accessibility testing tool made by Microsoft</a:t>
+            </a:r>
+          </a:p>
+          <a:p>
+            <a:pPr lvl="1"/>
+            <a:r>
+              <a:rPr lang="en-US" sz="1200" dirty="0"/>
+              <a:t>Has browser extension and desktop application versions</a:t>
+            </a:r>
+          </a:p>
+          <a:p>
+            <a:pPr lvl="1"/>
+            <a:r>
+              <a:rPr lang="en-US" sz="1200" dirty="0"/>
+              <a:t>Also have the option to include the automated tests in CI/CD</a:t>
+            </a:r>
+          </a:p>
+          <a:p>
+            <a:pPr lvl="1"/>
+            <a:r>
+              <a:rPr lang="en-US" sz="1200" dirty="0"/>
+              <a:t>DON’T depend on automated tests</a:t>
+            </a:r>
+          </a:p>
+          <a:p>
+            <a:r>
+              <a:rPr lang="en-US" sz="1200" b="1" dirty="0">
+                <a:hlinkClick r:id="rId3"/>
+              </a:rPr>
+              <a:t>NVDA</a:t>
+            </a:r>
+            <a:r>
+              <a:rPr lang="en-US" sz="1200" dirty="0"/>
+              <a:t> – free, open-sourced screen reader</a:t>
+            </a:r>
+          </a:p>
+          <a:p>
+            <a:pPr lvl="1"/>
+            <a:r>
+              <a:rPr lang="en-US" sz="1200" dirty="0"/>
+              <a:t>View keyboard shortcuts on at the Deque article entitled: </a:t>
+            </a:r>
+            <a:r>
+              <a:rPr lang="en-US" sz="1200" b="1" dirty="0">
+                <a:hlinkClick r:id="rId4"/>
+              </a:rPr>
+              <a:t>NVDA Keyboard Shortcuts</a:t>
+            </a:r>
+            <a:r>
+              <a:rPr lang="en-US" sz="1200" dirty="0"/>
+              <a:t>.</a:t>
+            </a:r>
+          </a:p>
+          <a:p>
+            <a:r>
+              <a:rPr lang="en-US" sz="1200" b="1" dirty="0"/>
+              <a:t>Narrator</a:t>
+            </a:r>
+            <a:r>
+              <a:rPr lang="en-US" sz="1200" dirty="0"/>
+              <a:t> – screen reader built-in to Windows.</a:t>
+            </a:r>
+          </a:p>
+          <a:p>
+            <a:pPr lvl="1"/>
+            <a:r>
+              <a:rPr lang="en-US" sz="1200" dirty="0"/>
+              <a:t>View keyboard shortcuts for Narrator in the Deque article entitled </a:t>
+            </a:r>
+            <a:r>
+              <a:rPr lang="en-US" sz="1200" b="1" dirty="0">
+                <a:hlinkClick r:id="rId5"/>
+              </a:rPr>
+              <a:t>Narrator Keyboard Shortcuts</a:t>
+            </a:r>
+            <a:r>
+              <a:rPr lang="en-US" sz="1200" dirty="0"/>
+              <a:t>.</a:t>
+            </a:r>
+          </a:p>
+          <a:p>
+            <a:r>
+              <a:rPr lang="en-US" sz="1200" b="1" dirty="0" err="1"/>
+              <a:t>VoiceOver</a:t>
+            </a:r>
+            <a:r>
+              <a:rPr lang="en-US" sz="1200" b="1" dirty="0"/>
+              <a:t> </a:t>
+            </a:r>
+            <a:r>
+              <a:rPr lang="en-US" sz="1200" dirty="0"/>
+              <a:t>– is a built screen reader found on iOS and MacOS devices.</a:t>
+            </a:r>
+          </a:p>
+          <a:p>
+            <a:r>
+              <a:rPr lang="en-US" sz="1200" b="1" dirty="0" err="1"/>
+              <a:t>TalkBack</a:t>
+            </a:r>
+            <a:r>
+              <a:rPr lang="en-US" sz="1200" b="1" dirty="0"/>
+              <a:t> </a:t>
+            </a:r>
+            <a:r>
+              <a:rPr lang="en-US" sz="1200" dirty="0"/>
+              <a:t>– is a built screen reader found on iOS and MacOS devices.</a:t>
+            </a:r>
+          </a:p>
+          <a:p>
+            <a:r>
+              <a:rPr lang="en-US" sz="1200" b="1" dirty="0">
+                <a:hlinkClick r:id="rId6"/>
+              </a:rPr>
+              <a:t>Microsoft Accessibility</a:t>
+            </a:r>
+            <a:r>
+              <a:rPr lang="en-US" sz="1200" dirty="0">
+                <a:hlinkClick r:id="rId6"/>
+              </a:rPr>
+              <a:t> </a:t>
+            </a:r>
+            <a:r>
+              <a:rPr lang="en-US" sz="1200" dirty="0"/>
+              <a:t>on Twitter at </a:t>
+            </a:r>
+            <a:r>
+              <a:rPr lang="en-US" sz="1200" b="1" dirty="0">
+                <a:hlinkClick r:id="rId7"/>
+              </a:rPr>
+              <a:t>@MSFTEnable</a:t>
+            </a:r>
+            <a:r>
+              <a:rPr lang="en-US" sz="1200" b="1" dirty="0"/>
+              <a:t> </a:t>
+            </a:r>
+            <a:r>
+              <a:rPr lang="en-US" sz="1200" dirty="0"/>
+              <a:t>and at on the </a:t>
+            </a:r>
+            <a:r>
+              <a:rPr lang="en-US" sz="1200" dirty="0">
+                <a:hlinkClick r:id="rId6"/>
+              </a:rPr>
+              <a:t>Microsoft Accessibility page</a:t>
+            </a:r>
+            <a:r>
+              <a:rPr lang="en-US" sz="1200" dirty="0"/>
+              <a:t>.</a:t>
+            </a:r>
+            <a:endParaRPr lang="en-US" sz="1200" b="1" dirty="0"/>
+          </a:p>
+          <a:p>
+            <a:r>
+              <a:rPr lang="en-US" sz="1200" b="1" dirty="0">
+                <a:hlinkClick r:id="rId8"/>
+              </a:rPr>
+              <a:t>Microsoft Accessibility Fundamentals course</a:t>
+            </a:r>
+            <a:endParaRPr lang="en-US" sz="1200" b="1" dirty="0"/>
+          </a:p>
+          <a:p>
+            <a:r>
+              <a:rPr lang="en-US" sz="1200" b="1" dirty="0">
+                <a:hlinkClick r:id="rId9"/>
+              </a:rPr>
+              <a:t>ANDI</a:t>
+            </a:r>
+            <a:r>
+              <a:rPr lang="en-US" sz="1200" b="1" dirty="0"/>
+              <a:t> – </a:t>
+            </a:r>
+            <a:r>
+              <a:rPr lang="en-US" sz="1200" dirty="0"/>
+              <a:t>Bookmark applet developed by the Social Security Administration to aid in Accessibility testing.</a:t>
+            </a:r>
+          </a:p>
+          <a:p>
+            <a:r>
+              <a:rPr lang="it-IT" sz="1200" dirty="0">
+                <a:hlinkClick r:id="rId10"/>
+              </a:rPr>
+              <a:t>Accessibility - Erissa Duvall (corgidev.com)</a:t>
+            </a:r>
+            <a:endParaRPr lang="en-US" sz="1200" dirty="0"/>
+          </a:p>
+        </p:txBody>
+      </p:sp>
+    </p:spTree>
+    <p:extLst>
+      <p:ext uri="{BB962C8B-B14F-4D97-AF65-F5344CB8AC3E}">
+        <p14:creationId xmlns:p14="http://schemas.microsoft.com/office/powerpoint/2010/main" val="436887274"/>
+      </p:ext>
+    </p:extLst>
+  </p:cSld>
+  <p:clrMapOvr>
+    <a:masterClrMapping/>
+  </p:clrMapOvr>
+</p:sld>
+</file>
+
+<file path=ppt/slides/slide13.xml><?xml version="1.0" encoding="utf-8"?>
+<p:sld xmlns:a="http://schemas.openxmlformats.org/drawingml/2006/main" xmlns:r="http://schemas.openxmlformats.org/officeDocument/2006/relationships" xmlns:p="http://schemas.openxmlformats.org/presentationml/2006/main">
+  <p:cSld>
+    <p:spTree>
+      <p:nvGrpSpPr>
+        <p:cNvPr id="1" name=""/>
+        <p:cNvGrpSpPr/>
+        <p:nvPr/>
+      </p:nvGrpSpPr>
+      <p:grpSpPr>
+        <a:xfrm>
+          <a:off x="0" y="0"/>
+          <a:ext cx="0" cy="0"/>
+          <a:chOff x="0" y="0"/>
+          <a:chExt cx="0" cy="0"/>
+        </a:xfrm>
+      </p:grpSpPr>
+      <p:sp>
+        <p:nvSpPr>
+          <p:cNvPr id="2" name="Title 1">
+            <a:extLst>
+              <a:ext uri="{FF2B5EF4-FFF2-40B4-BE49-F238E27FC236}">
+                <a16:creationId xmlns:a16="http://schemas.microsoft.com/office/drawing/2014/main" id="{BFBE0A40-EF52-730B-174C-8DEE5AF23CE4}"/>
+              </a:ext>
+            </a:extLst>
+          </p:cNvPr>
+          <p:cNvSpPr>
+            <a:spLocks noGrp="1"/>
+          </p:cNvSpPr>
+          <p:nvPr>
+            <p:ph type="title"/>
+          </p:nvPr>
+        </p:nvSpPr>
+        <p:spPr>
+          <a:xfrm>
+            <a:off x="1" y="764373"/>
+            <a:ext cx="11506200" cy="1293028"/>
+          </a:xfrm>
+        </p:spPr>
+        <p:txBody>
+          <a:bodyPr/>
+          <a:lstStyle/>
+          <a:p>
+            <a:r>
+              <a:rPr lang="en-US" dirty="0"/>
+              <a:t>Tools and resources</a:t>
+            </a:r>
+            <a:br>
+              <a:rPr lang="en-US" dirty="0"/>
+            </a:br>
+            <a:r>
+              <a:rPr lang="en-US" sz="1800" dirty="0"/>
+              <a:t>Books (Physical and </a:t>
+            </a:r>
+            <a:r>
+              <a:rPr lang="en-US" sz="1800" dirty="0" err="1"/>
+              <a:t>Ebook</a:t>
+            </a:r>
+            <a:r>
+              <a:rPr lang="en-US" sz="1800" dirty="0"/>
+              <a:t>)</a:t>
+            </a:r>
+          </a:p>
+        </p:txBody>
+      </p:sp>
+      <p:pic>
+        <p:nvPicPr>
+          <p:cNvPr id="4" name="Picture 3" descr="A group of books on a keyboard. The books are (from left to right) &quot;Inclusive Design Patterns&quot; by Heydon Pickering, &quot;Form Design Patterns&quot; by Adam Silver, and &quot;Inclusive Components&quot; by Heydon Pickering.">
+            <a:extLst>
+              <a:ext uri="{FF2B5EF4-FFF2-40B4-BE49-F238E27FC236}">
+                <a16:creationId xmlns:a16="http://schemas.microsoft.com/office/drawing/2014/main" id="{89ADC8BF-1306-74E7-E9E7-91BB82DB87DB}"/>
+              </a:ext>
+            </a:extLst>
+          </p:cNvPr>
+          <p:cNvPicPr>
+            <a:picLocks noChangeAspect="1"/>
+          </p:cNvPicPr>
+          <p:nvPr/>
+        </p:nvPicPr>
+        <p:blipFill>
+          <a:blip r:embed="rId3">
+            <a:extLst>
+              <a:ext uri="{28A0092B-C50C-407E-A947-70E740481C1C}">
+                <a14:useLocalDpi xmlns:a14="http://schemas.microsoft.com/office/drawing/2010/main" val="0"/>
+              </a:ext>
+            </a:extLst>
+          </a:blip>
+          <a:stretch>
+            <a:fillRect/>
+          </a:stretch>
+        </p:blipFill>
+        <p:spPr>
+          <a:xfrm>
+            <a:off x="2926301" y="2057401"/>
+            <a:ext cx="6339397" cy="4773193"/>
+          </a:xfrm>
+          <a:prstGeom prst="rect">
+            <a:avLst/>
+          </a:prstGeom>
+        </p:spPr>
+      </p:pic>
+    </p:spTree>
+    <p:extLst>
+      <p:ext uri="{BB962C8B-B14F-4D97-AF65-F5344CB8AC3E}">
+        <p14:creationId xmlns:p14="http://schemas.microsoft.com/office/powerpoint/2010/main" val="3970791432"/>
+      </p:ext>
+    </p:extLst>
+  </p:cSld>
+  <p:clrMapOvr>
+    <a:masterClrMapping/>
+  </p:clrMapOvr>
+</p:sld>
+</file>
+
+<file path=ppt/slides/slide14.xml><?xml version="1.0" encoding="utf-8"?>
+<p:sld xmlns:a="http://schemas.openxmlformats.org/drawingml/2006/main" xmlns:r="http://schemas.openxmlformats.org/officeDocument/2006/relationships" xmlns:p="http://schemas.openxmlformats.org/presentationml/2006/main">
+  <p:cSld>
+    <p:spTree>
+      <p:nvGrpSpPr>
+        <p:cNvPr id="1" name=""/>
+        <p:cNvGrpSpPr/>
+        <p:nvPr/>
+      </p:nvGrpSpPr>
+      <p:grpSpPr>
+        <a:xfrm>
+          <a:off x="0" y="0"/>
+          <a:ext cx="0" cy="0"/>
+          <a:chOff x="0" y="0"/>
+          <a:chExt cx="0" cy="0"/>
+        </a:xfrm>
+      </p:grpSpPr>
+      <p:sp>
+        <p:nvSpPr>
+          <p:cNvPr id="2" name="Title 1">
+            <a:extLst>
+              <a:ext uri="{FF2B5EF4-FFF2-40B4-BE49-F238E27FC236}">
+                <a16:creationId xmlns:a16="http://schemas.microsoft.com/office/drawing/2014/main" id="{BFBE0A40-EF52-730B-174C-8DEE5AF23CE4}"/>
+              </a:ext>
+            </a:extLst>
+          </p:cNvPr>
+          <p:cNvSpPr>
+            <a:spLocks noGrp="1"/>
+          </p:cNvSpPr>
+          <p:nvPr>
+            <p:ph type="title"/>
+          </p:nvPr>
+        </p:nvSpPr>
+        <p:spPr>
+          <a:xfrm>
+            <a:off x="1" y="764373"/>
+            <a:ext cx="11506200" cy="1293028"/>
+          </a:xfrm>
+        </p:spPr>
+        <p:txBody>
+          <a:bodyPr/>
+          <a:lstStyle/>
+          <a:p>
+            <a:r>
+              <a:rPr lang="en-US" dirty="0"/>
+              <a:t>Thank You!</a:t>
+            </a:r>
+          </a:p>
+        </p:txBody>
+      </p:sp>
+      <p:sp>
+        <p:nvSpPr>
+          <p:cNvPr id="3" name="Content Placeholder 2">
+            <a:extLst>
+              <a:ext uri="{FF2B5EF4-FFF2-40B4-BE49-F238E27FC236}">
+                <a16:creationId xmlns:a16="http://schemas.microsoft.com/office/drawing/2014/main" id="{7829BE99-CC9F-E89F-67D7-DD0AF66AC11A}"/>
+              </a:ext>
+            </a:extLst>
+          </p:cNvPr>
+          <p:cNvSpPr>
+            <a:spLocks noGrp="1"/>
+          </p:cNvSpPr>
+          <p:nvPr>
+            <p:ph idx="1"/>
+          </p:nvPr>
+        </p:nvSpPr>
+        <p:spPr>
+          <a:xfrm>
+            <a:off x="685800" y="2249424"/>
+            <a:ext cx="5350933" cy="4100576"/>
+          </a:xfrm>
+        </p:spPr>
+        <p:txBody>
+          <a:bodyPr>
+            <a:normAutofit/>
+          </a:bodyPr>
+          <a:lstStyle/>
+          <a:p>
+            <a:r>
+              <a:rPr lang="en-US" sz="1800" b="1" dirty="0" err="1"/>
+              <a:t>CorgiDev</a:t>
+            </a:r>
+            <a:r>
+              <a:rPr lang="en-US" sz="1800" b="1" dirty="0"/>
+              <a:t> </a:t>
+            </a:r>
+            <a:r>
+              <a:rPr lang="en-US" sz="1800" b="1" dirty="0" err="1"/>
+              <a:t>Linktree</a:t>
+            </a:r>
+            <a:r>
+              <a:rPr lang="en-US" sz="1800" b="1" dirty="0"/>
+              <a:t>: </a:t>
+            </a:r>
+            <a:r>
+              <a:rPr lang="en-US" sz="1800" b="1" dirty="0">
+                <a:hlinkClick r:id="rId2"/>
+              </a:rPr>
+              <a:t>https://linktr.ee/corgidev</a:t>
+            </a:r>
+            <a:endParaRPr lang="en-US" sz="1800" b="1" dirty="0"/>
+          </a:p>
+          <a:p>
+            <a:r>
+              <a:rPr lang="en-US" sz="1800" b="1" dirty="0">
+                <a:hlinkClick r:id="rId3"/>
+              </a:rPr>
+              <a:t>https://corgidev.com</a:t>
+            </a:r>
+            <a:endParaRPr lang="en-US" sz="1800" b="1" dirty="0"/>
+          </a:p>
+          <a:p>
+            <a:pPr marL="0" indent="0">
+              <a:buNone/>
+            </a:pPr>
+            <a:endParaRPr lang="en-US" sz="1800" b="1" dirty="0"/>
+          </a:p>
+        </p:txBody>
+      </p:sp>
+      <p:pic>
+        <p:nvPicPr>
+          <p:cNvPr id="4" name="Picture 3" descr="Icon&#10;&#10;Description automatically generated">
+            <a:extLst>
+              <a:ext uri="{FF2B5EF4-FFF2-40B4-BE49-F238E27FC236}">
+                <a16:creationId xmlns:a16="http://schemas.microsoft.com/office/drawing/2014/main" id="{E92BE2C1-9A47-DD71-9782-E08E4DC019CD}"/>
+              </a:ext>
+            </a:extLst>
+          </p:cNvPr>
+          <p:cNvPicPr>
+            <a:picLocks noChangeAspect="1"/>
+          </p:cNvPicPr>
+          <p:nvPr/>
+        </p:nvPicPr>
+        <p:blipFill>
+          <a:blip r:embed="rId4">
+            <a:extLst>
+              <a:ext uri="{28A0092B-C50C-407E-A947-70E740481C1C}">
+                <a14:useLocalDpi xmlns:a14="http://schemas.microsoft.com/office/drawing/2010/main" val="0"/>
+              </a:ext>
+            </a:extLst>
+          </a:blip>
+          <a:stretch>
+            <a:fillRect/>
+          </a:stretch>
+        </p:blipFill>
+        <p:spPr>
+          <a:xfrm>
+            <a:off x="7747000" y="2334427"/>
+            <a:ext cx="3759200" cy="3759200"/>
+          </a:xfrm>
+          <a:prstGeom prst="rect">
+            <a:avLst/>
+          </a:prstGeom>
+        </p:spPr>
+      </p:pic>
+    </p:spTree>
+    <p:extLst>
+      <p:ext uri="{BB962C8B-B14F-4D97-AF65-F5344CB8AC3E}">
+        <p14:creationId xmlns:p14="http://schemas.microsoft.com/office/powerpoint/2010/main" val="643792163"/>
+      </p:ext>
+    </p:extLst>
+  </p:cSld>
+  <p:clrMapOvr>
+    <a:masterClrMapping/>
+  </p:clrMapOvr>
+</p:sld>
+</file>
+
 <file path=ppt/slides/slide2.xml><?xml version="1.0" encoding="utf-8"?>
 <p:sld xmlns:a="http://schemas.openxmlformats.org/drawingml/2006/main" xmlns:r="http://schemas.openxmlformats.org/officeDocument/2006/relationships" xmlns:p="http://schemas.openxmlformats.org/presentationml/2006/main">
   <p:cSld>
@@ -12092,6 +13623,7 @@
             </a:r>
           </a:p>
           <a:p>
+            <a:pPr lvl="1"/>
             <a:r>
               <a:rPr lang="en-US" dirty="0"/>
               <a:t>Example Test Plans</a:t>
@@ -12100,7 +13632,7 @@
           <a:p>
             <a:r>
               <a:rPr lang="en-US" dirty="0"/>
-              <a:t>Testing Tools</a:t>
+              <a:t>Testing Tools &amp; Resources</a:t>
             </a:r>
           </a:p>
         </p:txBody>
@@ -12656,73 +14188,89 @@
           <a:p>
             <a:r>
               <a:rPr lang="en-US" b="1" dirty="0"/>
+              <a:t>Regulations</a:t>
+            </a:r>
+          </a:p>
+          <a:p>
+            <a:pPr lvl="1"/>
+            <a:r>
+              <a:rPr lang="en-US" dirty="0"/>
+              <a:t>Americans with Disabilities Act (ADA)</a:t>
+            </a:r>
+          </a:p>
+          <a:p>
+            <a:pPr lvl="1"/>
+            <a:r>
+              <a:rPr lang="en-US" dirty="0"/>
+              <a:t>Section 508 of the Rehabilitation Act of 1973</a:t>
+            </a:r>
+          </a:p>
+          <a:p>
+            <a:pPr lvl="1"/>
+            <a:r>
+              <a:rPr lang="en-US" dirty="0"/>
+              <a:t>Accessibility for Ontarians Act (AODA)</a:t>
+            </a:r>
+          </a:p>
+          <a:p>
+            <a:pPr lvl="1"/>
+            <a:r>
+              <a:rPr lang="en-US" dirty="0"/>
+              <a:t>Learn more at: </a:t>
+            </a:r>
+            <a:r>
+              <a:rPr lang="en-US" dirty="0">
+                <a:hlinkClick r:id="rId3"/>
+              </a:rPr>
+              <a:t>Web Accessibility Laws &amp; Policies | Web Accessibility Initiative (WAI) | W3C</a:t>
+            </a:r>
+            <a:endParaRPr lang="en-US" dirty="0"/>
+          </a:p>
+          <a:p>
+            <a:r>
+              <a:rPr lang="en-US" b="1" dirty="0"/>
               <a:t>Guidelines</a:t>
             </a:r>
           </a:p>
           <a:p>
             <a:pPr lvl="1"/>
             <a:r>
-              <a:rPr lang="en-US" b="1" dirty="0"/>
+              <a:rPr lang="en-US" dirty="0"/>
               <a:t>Web Content Accessibility Guidelines (WCAG)</a:t>
             </a:r>
           </a:p>
           <a:p>
             <a:pPr lvl="1"/>
             <a:r>
-              <a:rPr lang="en-US" b="1" dirty="0"/>
+              <a:rPr lang="en-US" dirty="0"/>
               <a:t>Authoring Tools Accessibility Guidelines (ATAG)</a:t>
             </a:r>
           </a:p>
           <a:p>
             <a:pPr lvl="1"/>
             <a:r>
-              <a:rPr lang="en-US" b="1" dirty="0"/>
+              <a:rPr lang="en-US" dirty="0"/>
               <a:t>User Agent Accessibility Guidelines (UAAG)</a:t>
             </a:r>
           </a:p>
           <a:p>
             <a:pPr lvl="1"/>
             <a:r>
-              <a:rPr lang="en-US" b="1" dirty="0"/>
+              <a:rPr lang="en-US" dirty="0"/>
               <a:t>Accessible Rich Internet Applications (ARIA)</a:t>
             </a:r>
           </a:p>
           <a:p>
             <a:pPr lvl="1"/>
             <a:r>
-              <a:rPr lang="en-US" b="1" dirty="0"/>
+              <a:rPr lang="en-US" dirty="0"/>
               <a:t>Accessible Electronic Documents Community of Practice (AED COP)</a:t>
             </a:r>
           </a:p>
           <a:p>
-            <a:r>
-              <a:rPr lang="en-US" b="1" dirty="0"/>
-              <a:t>Regulations</a:t>
-            </a:r>
-          </a:p>
-          <a:p>
-            <a:pPr lvl="1"/>
-            <a:r>
-              <a:rPr lang="en-US" b="1" dirty="0"/>
-              <a:t>Americans with Disabilities Act (ADA)</a:t>
-            </a:r>
-          </a:p>
-          <a:p>
-            <a:pPr lvl="1"/>
-            <a:r>
-              <a:rPr lang="en-US" b="1" dirty="0"/>
-              <a:t>Section 508 of the Rehabilitation Act</a:t>
-            </a:r>
-          </a:p>
-          <a:p>
-            <a:pPr lvl="1"/>
-            <a:r>
-              <a:rPr lang="en-US" b="1" dirty="0"/>
-              <a:t>Accessibility for Ontarians Act (AODA)</a:t>
-            </a:r>
-          </a:p>
-          <a:p>
-            <a:pPr lvl="1"/>
+            <a:pPr marL="457200" lvl="1" indent="0">
+              <a:buNone/>
+            </a:pPr>
             <a:endParaRPr lang="en-US" dirty="0"/>
           </a:p>
         </p:txBody>
@@ -12780,12 +14328,14 @@
           </a:xfrm>
         </p:spPr>
         <p:txBody>
-          <a:bodyPr/>
+          <a:bodyPr>
+            <a:normAutofit/>
+          </a:bodyPr>
           <a:lstStyle/>
           <a:p>
             <a:r>
-              <a:rPr lang="en-US" dirty="0"/>
-              <a:t>Tools and resources</a:t>
+              <a:rPr lang="en-US" sz="3600" dirty="0"/>
+              <a:t>Building Accessibility Test Plans</a:t>
             </a:r>
           </a:p>
         </p:txBody>
@@ -12808,206 +14358,74 @@
         </p:nvSpPr>
         <p:spPr>
           <a:xfrm>
-            <a:off x="685800" y="2057401"/>
-            <a:ext cx="10820400" cy="4292599"/>
+            <a:off x="685800" y="1845733"/>
+            <a:ext cx="10820400" cy="4792134"/>
           </a:xfrm>
         </p:spPr>
         <p:txBody>
           <a:bodyPr>
-            <a:normAutofit fontScale="92500"/>
+            <a:normAutofit/>
           </a:bodyPr>
           <a:lstStyle/>
           <a:p>
-            <a:r>
-              <a:rPr lang="en-US" sz="1400" b="1" dirty="0">
-                <a:hlinkClick r:id="rId2"/>
-              </a:rPr>
-              <a:t>Accessibility Insights</a:t>
-            </a:r>
-            <a:r>
-              <a:rPr lang="en-US" sz="1400" dirty="0"/>
-              <a:t> – A Accessibility testing tool made by Microsoft</a:t>
+            <a:endParaRPr lang="en-US" b="1" dirty="0"/>
+          </a:p>
+          <a:p>
+            <a:r>
+              <a:rPr lang="en-US" sz="2400" dirty="0"/>
+              <a:t>Usually based around WCAG Guidelines</a:t>
+            </a:r>
+          </a:p>
+          <a:p>
+            <a:r>
+              <a:rPr lang="en-US" sz="2400" dirty="0"/>
+              <a:t>Customize test methods for different environments:</a:t>
             </a:r>
           </a:p>
           <a:p>
             <a:pPr lvl="1"/>
             <a:r>
-              <a:rPr lang="en-US" sz="1400" dirty="0"/>
-              <a:t>Has browser extension and desktop application versions</a:t>
+              <a:rPr lang="en-US" sz="2200" dirty="0"/>
+              <a:t>Desktop, Mobile, Mobile Web, Native App</a:t>
             </a:r>
           </a:p>
           <a:p>
             <a:pPr lvl="1"/>
             <a:r>
-              <a:rPr lang="en-US" sz="1400" dirty="0"/>
-              <a:t>Also have the option to include the automated tests in CI/CD</a:t>
+              <a:rPr lang="en-US" sz="2200" dirty="0"/>
+              <a:t>Specific browsers or devices if environment is limited to certain ones</a:t>
+            </a:r>
+          </a:p>
+          <a:p>
+            <a:r>
+              <a:rPr lang="en-US" sz="2400" b="1" dirty="0"/>
+              <a:t>Example Test Methods/Plans:</a:t>
             </a:r>
           </a:p>
           <a:p>
             <a:pPr lvl="1"/>
             <a:r>
-              <a:rPr lang="en-US" sz="1400" dirty="0"/>
-              <a:t>DON’T depend on automated tests</a:t>
-            </a:r>
-          </a:p>
-          <a:p>
-            <a:r>
-              <a:rPr lang="en-US" sz="1400" b="1" dirty="0">
+              <a:rPr lang="en-US" sz="2200" b="1" dirty="0">
                 <a:hlinkClick r:id="rId3"/>
               </a:rPr>
-              <a:t>NVDA</a:t>
-            </a:r>
-            <a:r>
-              <a:rPr lang="en-US" sz="1400" dirty="0"/>
-              <a:t> – free, open-sourced screen reader</a:t>
+              <a:t>VGAR</a:t>
+            </a:r>
+            <a:r>
+              <a:rPr lang="en-US" sz="2200" dirty="0"/>
+              <a:t> – Visa Global Accessibility Requirements</a:t>
             </a:r>
           </a:p>
           <a:p>
             <a:pPr lvl="1"/>
             <a:r>
-              <a:rPr lang="en-US" sz="1400" dirty="0"/>
-              <a:t>View keyboard shortcuts on at the Deque article entitled: </a:t>
-            </a:r>
-            <a:r>
-              <a:rPr lang="en-US" sz="1400" b="1" dirty="0">
+              <a:rPr lang="en-US" sz="2200" b="1" dirty="0">
                 <a:hlinkClick r:id="rId4"/>
               </a:rPr>
-              <a:t>NVDA Keyboard Shortcuts</a:t>
-            </a:r>
-            <a:r>
-              <a:rPr lang="en-US" sz="1400" dirty="0"/>
-              <a:t>.</a:t>
-            </a:r>
-          </a:p>
-          <a:p>
-            <a:r>
-              <a:rPr lang="en-US" sz="1400" b="1" dirty="0"/>
-              <a:t>Narrator</a:t>
-            </a:r>
-            <a:r>
-              <a:rPr lang="en-US" sz="1400" dirty="0"/>
-              <a:t> – screen reader built-in to Windows.</a:t>
-            </a:r>
-          </a:p>
-          <a:p>
-            <a:pPr lvl="1"/>
-            <a:r>
-              <a:rPr lang="en-US" sz="1400" dirty="0"/>
-              <a:t>View keyboard shortcuts for Narrator in the Deque article entitled </a:t>
-            </a:r>
-            <a:r>
-              <a:rPr lang="en-US" sz="1400" b="1" dirty="0">
-                <a:hlinkClick r:id="rId5"/>
-              </a:rPr>
-              <a:t>Narrator Keyboard Shortcuts</a:t>
-            </a:r>
-            <a:r>
-              <a:rPr lang="en-US" sz="1400" dirty="0"/>
-              <a:t>.</a:t>
-            </a:r>
-          </a:p>
-          <a:p>
-            <a:r>
-              <a:rPr lang="en-US" sz="1400" b="1" dirty="0">
-                <a:hlinkClick r:id="rId6"/>
-              </a:rPr>
-              <a:t>Microsoft Accessibility</a:t>
-            </a:r>
-            <a:r>
-              <a:rPr lang="en-US" sz="1400" dirty="0">
-                <a:hlinkClick r:id="rId6"/>
-              </a:rPr>
-              <a:t> </a:t>
-            </a:r>
-            <a:r>
-              <a:rPr lang="en-US" sz="1400" dirty="0"/>
-              <a:t>on Twitter at </a:t>
-            </a:r>
-            <a:r>
-              <a:rPr lang="en-US" sz="1400" b="1" dirty="0">
-                <a:hlinkClick r:id="rId7"/>
-              </a:rPr>
-              <a:t>@MSFTEnable</a:t>
-            </a:r>
-            <a:r>
-              <a:rPr lang="en-US" sz="1400" b="1" dirty="0"/>
-              <a:t> </a:t>
-            </a:r>
-            <a:r>
-              <a:rPr lang="en-US" sz="1400" dirty="0"/>
-              <a:t>and at on the </a:t>
-            </a:r>
-            <a:r>
-              <a:rPr lang="en-US" sz="1400" dirty="0">
-                <a:hlinkClick r:id="rId6"/>
-              </a:rPr>
-              <a:t>Microsoft Accessibility page</a:t>
-            </a:r>
-            <a:r>
-              <a:rPr lang="en-US" sz="1400" dirty="0"/>
-              <a:t>.</a:t>
-            </a:r>
-            <a:endParaRPr lang="en-US" sz="1400" b="1" dirty="0"/>
-          </a:p>
-          <a:p>
-            <a:r>
-              <a:rPr lang="en-US" sz="1400" b="1" dirty="0">
-                <a:hlinkClick r:id="rId8"/>
-              </a:rPr>
-              <a:t>Microsoft Accessibility Fundamentals course</a:t>
-            </a:r>
-            <a:endParaRPr lang="en-US" sz="1400" b="1" dirty="0"/>
-          </a:p>
-          <a:p>
-            <a:r>
-              <a:rPr lang="en-US" sz="1400" b="1" dirty="0">
-                <a:hlinkClick r:id="rId9"/>
-              </a:rPr>
-              <a:t>ANDI</a:t>
-            </a:r>
-            <a:r>
-              <a:rPr lang="en-US" sz="1400" b="1" dirty="0"/>
-              <a:t> – </a:t>
-            </a:r>
-            <a:r>
-              <a:rPr lang="en-US" sz="1400" dirty="0"/>
-              <a:t>Bookmark applet developed by the Social Security Administration to aid in Accessibility testing.</a:t>
-            </a:r>
-          </a:p>
-          <a:p>
-            <a:r>
-              <a:rPr lang="en-US" sz="1400" b="1" dirty="0">
-                <a:hlinkClick r:id="rId10"/>
-              </a:rPr>
-              <a:t>VGAR</a:t>
-            </a:r>
-            <a:r>
-              <a:rPr lang="en-US" sz="1400" dirty="0"/>
-              <a:t> – Visa Global Accessibility Requirements</a:t>
-            </a:r>
-          </a:p>
-          <a:p>
-            <a:r>
-              <a:rPr lang="en-US" sz="1400" b="1" dirty="0">
-                <a:hlinkClick r:id="rId11"/>
-              </a:rPr>
               <a:t>Section 508 ICT Testing Baseline for Web</a:t>
             </a:r>
             <a:r>
-              <a:rPr lang="en-US" sz="1400" dirty="0"/>
+              <a:rPr lang="en-US" sz="2200" dirty="0"/>
               <a:t> - This Baseline identifies the minimum requirements of any test process used to determine conformance of web content with the Revised Section 508 of the Rehabilitation Act of 1973, as amended (29 U.S.C. 794d).</a:t>
-            </a:r>
-          </a:p>
-          <a:p>
-            <a:r>
-              <a:rPr lang="en-US" sz="1400" b="1" dirty="0">
-                <a:hlinkClick r:id="rId12"/>
-              </a:rPr>
-              <a:t>Web Accessibility Laws &amp; Policies | Web Accessibility Initiative (WAI) | W3C</a:t>
-            </a:r>
-            <a:r>
-              <a:rPr lang="en-US" sz="1400" dirty="0"/>
-              <a:t> – A list of many accessibility laws and regulations worldwide. Not an exhaustive list.</a:t>
             </a:r>
           </a:p>
         </p:txBody>
@@ -13015,7 +14433,7 @@
     </p:spTree>
     <p:extLst>
       <p:ext uri="{BB962C8B-B14F-4D97-AF65-F5344CB8AC3E}">
-        <p14:creationId xmlns:p14="http://schemas.microsoft.com/office/powerpoint/2010/main" val="436887274"/>
+        <p14:creationId xmlns:p14="http://schemas.microsoft.com/office/powerpoint/2010/main" val="66465642"/>
       </p:ext>
     </p:extLst>
   </p:cSld>
@@ -13070,74 +14488,24 @@
           <a:p>
             <a:r>
               <a:rPr lang="en-US" dirty="0"/>
-              <a:t>Thank You!</a:t>
-            </a:r>
-          </a:p>
-        </p:txBody>
-      </p:sp>
-      <p:sp>
-        <p:nvSpPr>
-          <p:cNvPr id="3" name="Content Placeholder 2">
+              <a:t>Tools and resources</a:t>
+            </a:r>
+            <a:br>
+              <a:rPr lang="en-US" dirty="0"/>
+            </a:br>
+            <a:r>
+              <a:rPr lang="en-US" sz="1800" dirty="0"/>
+              <a:t>Accessibility Insights</a:t>
+            </a:r>
+          </a:p>
+        </p:txBody>
+      </p:sp>
+      <p:pic>
+        <p:nvPicPr>
+          <p:cNvPr id="11" name="Picture 10">
             <a:extLst>
               <a:ext uri="{FF2B5EF4-FFF2-40B4-BE49-F238E27FC236}">
-                <a16:creationId xmlns:a16="http://schemas.microsoft.com/office/drawing/2014/main" id="{7829BE99-CC9F-E89F-67D7-DD0AF66AC11A}"/>
-              </a:ext>
-            </a:extLst>
-          </p:cNvPr>
-          <p:cNvSpPr>
-            <a:spLocks noGrp="1"/>
-          </p:cNvSpPr>
-          <p:nvPr>
-            <p:ph idx="1"/>
-          </p:nvPr>
-        </p:nvSpPr>
-        <p:spPr>
-          <a:xfrm>
-            <a:off x="685800" y="2249424"/>
-            <a:ext cx="5350933" cy="4100576"/>
-          </a:xfrm>
-        </p:spPr>
-        <p:txBody>
-          <a:bodyPr>
-            <a:normAutofit/>
-          </a:bodyPr>
-          <a:lstStyle/>
-          <a:p>
-            <a:pPr marL="0" indent="0">
-              <a:buNone/>
-            </a:pPr>
-            <a:r>
-              <a:rPr lang="en-US" sz="1800" b="1" dirty="0" err="1"/>
-              <a:t>CorgiDev</a:t>
-            </a:r>
-            <a:r>
-              <a:rPr lang="en-US" sz="1800" b="1" dirty="0"/>
-              <a:t> </a:t>
-            </a:r>
-            <a:r>
-              <a:rPr lang="en-US" sz="1800" b="1" dirty="0" err="1"/>
-              <a:t>Linktree</a:t>
-            </a:r>
-            <a:r>
-              <a:rPr lang="en-US" sz="1800" b="1" dirty="0"/>
-              <a:t>: </a:t>
-            </a:r>
-            <a:r>
-              <a:rPr lang="en-US" sz="1800" b="1" dirty="0">
-                <a:hlinkClick r:id="rId2"/>
-              </a:rPr>
-              <a:t>https://linktr.ee/corgidev</a:t>
-            </a:r>
-            <a:endParaRPr lang="en-US" sz="1800" b="1" dirty="0"/>
-          </a:p>
-        </p:txBody>
-      </p:sp>
-      <p:pic>
-        <p:nvPicPr>
-          <p:cNvPr id="4" name="Picture 3" descr="Icon&#10;&#10;Description automatically generated">
-            <a:extLst>
-              <a:ext uri="{FF2B5EF4-FFF2-40B4-BE49-F238E27FC236}">
-                <a16:creationId xmlns:a16="http://schemas.microsoft.com/office/drawing/2014/main" id="{E92BE2C1-9A47-DD71-9782-E08E4DC019CD}"/>
+                <a16:creationId xmlns:a16="http://schemas.microsoft.com/office/drawing/2014/main" id="{2C79188B-900F-6F40-3348-B3D4D7755A38}"/>
               </a:ext>
             </a:extLst>
           </p:cNvPr>
@@ -13147,7 +14515,65 @@
           <p:nvPr/>
         </p:nvPicPr>
         <p:blipFill>
-          <a:blip r:embed="rId3">
+          <a:blip r:embed="rId3"/>
+          <a:stretch>
+            <a:fillRect/>
+          </a:stretch>
+        </p:blipFill>
+        <p:spPr>
+          <a:xfrm>
+            <a:off x="52252" y="2259875"/>
+            <a:ext cx="2846079" cy="3045304"/>
+          </a:xfrm>
+          <a:prstGeom prst="rect">
+            <a:avLst/>
+          </a:prstGeom>
+          <a:solidFill>
+            <a:srgbClr val="FFFFFF">
+              <a:shade val="85000"/>
+            </a:srgbClr>
+          </a:solidFill>
+          <a:ln w="88900" cap="sq">
+            <a:noFill/>
+            <a:miter lim="800000"/>
+          </a:ln>
+          <a:effectLst>
+            <a:outerShdw blurRad="55000" dist="18000" dir="5400000" algn="tl" rotWithShape="0">
+              <a:srgbClr val="000000">
+                <a:alpha val="40000"/>
+              </a:srgbClr>
+            </a:outerShdw>
+          </a:effectLst>
+          <a:scene3d>
+            <a:camera prst="orthographicFront"/>
+            <a:lightRig rig="twoPt" dir="t">
+              <a:rot lat="0" lon="0" rev="7200000"/>
+            </a:lightRig>
+          </a:scene3d>
+          <a:sp3d>
+            <a:bevelT w="25400" h="19050"/>
+            <a:contourClr>
+              <a:srgbClr val="FFFFFF"/>
+            </a:contourClr>
+          </a:sp3d>
+        </p:spPr>
+      </p:pic>
+      <p:pic>
+        <p:nvPicPr>
+          <p:cNvPr id="13" name="Picture 12" descr="A screenshot of a computer&#10;&#10;Description automatically generated with medium confidence">
+            <a:extLst>
+              <a:ext uri="{FF2B5EF4-FFF2-40B4-BE49-F238E27FC236}">
+                <a16:creationId xmlns:a16="http://schemas.microsoft.com/office/drawing/2014/main" id="{1E87AF6B-2813-FE8F-15DD-409C6A4E56A9}"/>
+              </a:ext>
+            </a:extLst>
+          </p:cNvPr>
+          <p:cNvPicPr>
+            <a:picLocks noChangeAspect="1"/>
+          </p:cNvPicPr>
+          <p:nvPr/>
+        </p:nvPicPr>
+        <p:blipFill>
+          <a:blip r:embed="rId4">
             <a:extLst>
               <a:ext uri="{28A0092B-C50C-407E-A947-70E740481C1C}">
                 <a14:useLocalDpi xmlns:a14="http://schemas.microsoft.com/office/drawing/2010/main" val="0"/>
@@ -13160,8 +14586,44 @@
         </p:blipFill>
         <p:spPr>
           <a:xfrm>
-            <a:off x="7747000" y="2334427"/>
-            <a:ext cx="3759200" cy="3759200"/>
+            <a:off x="2960102" y="1737361"/>
+            <a:ext cx="4525921" cy="4754879"/>
+          </a:xfrm>
+          <a:prstGeom prst="rect">
+            <a:avLst/>
+          </a:prstGeom>
+        </p:spPr>
+      </p:pic>
+      <p:pic>
+        <p:nvPicPr>
+          <p:cNvPr id="15" name="Picture 14" descr="A screenshot of a computer&#10;&#10;Description automatically generated">
+            <a:extLst>
+              <a:ext uri="{FF2B5EF4-FFF2-40B4-BE49-F238E27FC236}">
+                <a16:creationId xmlns:a16="http://schemas.microsoft.com/office/drawing/2014/main" id="{DF25FCB9-0463-34C2-709B-8B7DAF3D9851}"/>
+              </a:ext>
+            </a:extLst>
+          </p:cNvPr>
+          <p:cNvPicPr>
+            <a:picLocks noChangeAspect="1"/>
+          </p:cNvPicPr>
+          <p:nvPr/>
+        </p:nvPicPr>
+        <p:blipFill>
+          <a:blip r:embed="rId5">
+            <a:extLst>
+              <a:ext uri="{28A0092B-C50C-407E-A947-70E740481C1C}">
+                <a14:useLocalDpi xmlns:a14="http://schemas.microsoft.com/office/drawing/2010/main" val="0"/>
+              </a:ext>
+            </a:extLst>
+          </a:blip>
+          <a:stretch>
+            <a:fillRect/>
+          </a:stretch>
+        </p:blipFill>
+        <p:spPr>
+          <a:xfrm>
+            <a:off x="7547795" y="2057401"/>
+            <a:ext cx="4495579" cy="3592286"/>
           </a:xfrm>
           <a:prstGeom prst="rect">
             <a:avLst/>
@@ -13171,7 +14633,129 @@
     </p:spTree>
     <p:extLst>
       <p:ext uri="{BB962C8B-B14F-4D97-AF65-F5344CB8AC3E}">
-        <p14:creationId xmlns:p14="http://schemas.microsoft.com/office/powerpoint/2010/main" val="643792163"/>
+        <p14:creationId xmlns:p14="http://schemas.microsoft.com/office/powerpoint/2010/main" val="2020451593"/>
+      </p:ext>
+    </p:extLst>
+  </p:cSld>
+  <p:clrMapOvr>
+    <a:masterClrMapping/>
+  </p:clrMapOvr>
+</p:sld>
+</file>
+
+<file path=ppt/slides/slide9.xml><?xml version="1.0" encoding="utf-8"?>
+<p:sld xmlns:a="http://schemas.openxmlformats.org/drawingml/2006/main" xmlns:r="http://schemas.openxmlformats.org/officeDocument/2006/relationships" xmlns:p="http://schemas.openxmlformats.org/presentationml/2006/main">
+  <p:cSld>
+    <p:spTree>
+      <p:nvGrpSpPr>
+        <p:cNvPr id="1" name=""/>
+        <p:cNvGrpSpPr/>
+        <p:nvPr/>
+      </p:nvGrpSpPr>
+      <p:grpSpPr>
+        <a:xfrm>
+          <a:off x="0" y="0"/>
+          <a:ext cx="0" cy="0"/>
+          <a:chOff x="0" y="0"/>
+          <a:chExt cx="0" cy="0"/>
+        </a:xfrm>
+      </p:grpSpPr>
+      <p:sp>
+        <p:nvSpPr>
+          <p:cNvPr id="2" name="Title 1">
+            <a:extLst>
+              <a:ext uri="{FF2B5EF4-FFF2-40B4-BE49-F238E27FC236}">
+                <a16:creationId xmlns:a16="http://schemas.microsoft.com/office/drawing/2014/main" id="{BFBE0A40-EF52-730B-174C-8DEE5AF23CE4}"/>
+              </a:ext>
+            </a:extLst>
+          </p:cNvPr>
+          <p:cNvSpPr>
+            <a:spLocks noGrp="1"/>
+          </p:cNvSpPr>
+          <p:nvPr>
+            <p:ph type="title"/>
+          </p:nvPr>
+        </p:nvSpPr>
+        <p:spPr>
+          <a:xfrm>
+            <a:off x="1" y="764373"/>
+            <a:ext cx="11506200" cy="1293028"/>
+          </a:xfrm>
+        </p:spPr>
+        <p:txBody>
+          <a:bodyPr/>
+          <a:lstStyle/>
+          <a:p>
+            <a:r>
+              <a:rPr lang="en-US" dirty="0"/>
+              <a:t>Tools and resources</a:t>
+            </a:r>
+            <a:br>
+              <a:rPr lang="en-US" dirty="0"/>
+            </a:br>
+            <a:r>
+              <a:rPr lang="en-US" sz="1800" dirty="0"/>
+              <a:t>CCA by </a:t>
+            </a:r>
+            <a:r>
+              <a:rPr lang="en-US" sz="1800" dirty="0" err="1"/>
+              <a:t>TPGi</a:t>
+            </a:r>
+            <a:endParaRPr lang="en-US" sz="1800" dirty="0"/>
+          </a:p>
+        </p:txBody>
+      </p:sp>
+      <p:pic>
+        <p:nvPicPr>
+          <p:cNvPr id="1028" name="Picture 4" descr="color contrast analyser">
+            <a:extLst>
+              <a:ext uri="{FF2B5EF4-FFF2-40B4-BE49-F238E27FC236}">
+                <a16:creationId xmlns:a16="http://schemas.microsoft.com/office/drawing/2014/main" id="{ACAFF723-4DD0-98DC-D77F-DC636D6C59BB}"/>
+              </a:ext>
+            </a:extLst>
+          </p:cNvPr>
+          <p:cNvPicPr>
+            <a:picLocks noChangeAspect="1" noChangeArrowheads="1"/>
+          </p:cNvPicPr>
+          <p:nvPr/>
+        </p:nvPicPr>
+        <p:blipFill>
+          <a:blip r:embed="rId3">
+            <a:extLst>
+              <a:ext uri="{28A0092B-C50C-407E-A947-70E740481C1C}">
+                <a14:useLocalDpi xmlns:a14="http://schemas.microsoft.com/office/drawing/2010/main" val="0"/>
+              </a:ext>
+            </a:extLst>
+          </a:blip>
+          <a:srcRect/>
+          <a:stretch>
+            <a:fillRect/>
+          </a:stretch>
+        </p:blipFill>
+        <p:spPr bwMode="auto">
+          <a:xfrm>
+            <a:off x="222069" y="1638346"/>
+            <a:ext cx="3830547" cy="4951866"/>
+          </a:xfrm>
+          <a:prstGeom prst="rect">
+            <a:avLst/>
+          </a:prstGeom>
+          <a:noFill/>
+          <a:extLst>
+            <a:ext uri="{909E8E84-426E-40DD-AFC4-6F175D3DCCD1}">
+              <a14:hiddenFill xmlns:a14="http://schemas.microsoft.com/office/drawing/2010/main">
+                <a:solidFill>
+                  <a:srgbClr val="FFFFFF"/>
+                </a:solidFill>
+              </a14:hiddenFill>
+            </a:ext>
+          </a:extLst>
+        </p:spPr>
+      </p:pic>
+    </p:spTree>
+    <p:extLst>
+      <p:ext uri="{BB962C8B-B14F-4D97-AF65-F5344CB8AC3E}">
+        <p14:creationId xmlns:p14="http://schemas.microsoft.com/office/powerpoint/2010/main" val="2935854091"/>
       </p:ext>
     </p:extLst>
   </p:cSld>

--- a/Presenations/Upcoming Talk Drafts/2023_Accessibility Testing.pptx
+++ b/Presenations/Upcoming Talk Drafts/2023_Accessibility Testing.pptx
@@ -14734,7 +14734,7 @@
         </p:blipFill>
         <p:spPr bwMode="auto">
           <a:xfrm>
-            <a:off x="222069" y="1638346"/>
+            <a:off x="4180726" y="1749380"/>
             <a:ext cx="3830547" cy="4951866"/>
           </a:xfrm>
           <a:prstGeom prst="rect">
@@ -14750,6 +14750,36 @@
               </a14:hiddenFill>
             </a:ext>
           </a:extLst>
+        </p:spPr>
+      </p:pic>
+      <p:pic>
+        <p:nvPicPr>
+          <p:cNvPr id="4" name="Picture 3">
+            <a:extLst>
+              <a:ext uri="{FF2B5EF4-FFF2-40B4-BE49-F238E27FC236}">
+                <a16:creationId xmlns:a16="http://schemas.microsoft.com/office/drawing/2014/main" id="{72C8378D-491E-836F-F026-0F98EFE3A833}"/>
+              </a:ext>
+            </a:extLst>
+          </p:cNvPr>
+          <p:cNvPicPr>
+            <a:picLocks noChangeAspect="1"/>
+          </p:cNvPicPr>
+          <p:nvPr/>
+        </p:nvPicPr>
+        <p:blipFill>
+          <a:blip r:embed="rId4"/>
+          <a:stretch>
+            <a:fillRect/>
+          </a:stretch>
+        </p:blipFill>
+        <p:spPr>
+          <a:xfrm>
+            <a:off x="240787" y="1449977"/>
+            <a:ext cx="3343609" cy="5251269"/>
+          </a:xfrm>
+          <a:prstGeom prst="rect">
+            <a:avLst/>
+          </a:prstGeom>
         </p:spPr>
       </p:pic>
     </p:spTree>

--- a/Presenations/Upcoming Talk Drafts/2023_Accessibility Testing.pptx
+++ b/Presenations/Upcoming Talk Drafts/2023_Accessibility Testing.pptx
@@ -5794,7 +5794,7 @@
           <a:p>
             <a:fld id="{BEFAACEF-CC9A-483E-9B56-DECAFB57975A}" type="datetimeFigureOut">
               <a:rPr lang="en-US" smtClean="0"/>
-              <a:t>5/7/2023</a:t>
+              <a:t>5/15/2023</a:t>
             </a:fld>
             <a:endParaRPr lang="en-US"/>
           </a:p>
@@ -7075,7 +7075,7 @@
           <a:p>
             <a:fld id="{FA8F589A-1A1B-4186-A2FF-DC30B0765117}" type="datetimeFigureOut">
               <a:rPr lang="en-US" smtClean="0"/>
-              <a:t>5/7/2023</a:t>
+              <a:t>5/15/2023</a:t>
             </a:fld>
             <a:endParaRPr lang="en-US"/>
           </a:p>
@@ -7347,7 +7347,7 @@
           <a:p>
             <a:fld id="{FA8F589A-1A1B-4186-A2FF-DC30B0765117}" type="datetimeFigureOut">
               <a:rPr lang="en-US" smtClean="0"/>
-              <a:t>5/7/2023</a:t>
+              <a:t>5/15/2023</a:t>
             </a:fld>
             <a:endParaRPr lang="en-US"/>
           </a:p>
@@ -7578,7 +7578,7 @@
           <a:p>
             <a:fld id="{FA8F589A-1A1B-4186-A2FF-DC30B0765117}" type="datetimeFigureOut">
               <a:rPr lang="en-US" smtClean="0"/>
-              <a:t>5/7/2023</a:t>
+              <a:t>5/15/2023</a:t>
             </a:fld>
             <a:endParaRPr lang="en-US"/>
           </a:p>
@@ -7888,7 +7888,7 @@
           <a:p>
             <a:fld id="{FA8F589A-1A1B-4186-A2FF-DC30B0765117}" type="datetimeFigureOut">
               <a:rPr lang="en-US" smtClean="0"/>
-              <a:t>5/7/2023</a:t>
+              <a:t>5/15/2023</a:t>
             </a:fld>
             <a:endParaRPr lang="en-US"/>
           </a:p>
@@ -8361,7 +8361,7 @@
           <a:p>
             <a:fld id="{FA8F589A-1A1B-4186-A2FF-DC30B0765117}" type="datetimeFigureOut">
               <a:rPr lang="en-US" smtClean="0"/>
-              <a:t>5/7/2023</a:t>
+              <a:t>5/15/2023</a:t>
             </a:fld>
             <a:endParaRPr lang="en-US"/>
           </a:p>
@@ -8908,7 +8908,7 @@
           <a:p>
             <a:fld id="{FA8F589A-1A1B-4186-A2FF-DC30B0765117}" type="datetimeFigureOut">
               <a:rPr lang="en-US" smtClean="0"/>
-              <a:t>5/7/2023</a:t>
+              <a:t>5/15/2023</a:t>
             </a:fld>
             <a:endParaRPr lang="en-US"/>
           </a:p>
@@ -9682,7 +9682,7 @@
           <a:p>
             <a:fld id="{FA8F589A-1A1B-4186-A2FF-DC30B0765117}" type="datetimeFigureOut">
               <a:rPr lang="en-US" smtClean="0"/>
-              <a:t>5/7/2023</a:t>
+              <a:t>5/15/2023</a:t>
             </a:fld>
             <a:endParaRPr lang="en-US"/>
           </a:p>
@@ -9857,7 +9857,7 @@
           <a:p>
             <a:fld id="{FA8F589A-1A1B-4186-A2FF-DC30B0765117}" type="datetimeFigureOut">
               <a:rPr lang="en-US" smtClean="0"/>
-              <a:t>5/7/2023</a:t>
+              <a:t>5/15/2023</a:t>
             </a:fld>
             <a:endParaRPr lang="en-US"/>
           </a:p>
@@ -10080,7 +10080,7 @@
           <a:p>
             <a:fld id="{FA8F589A-1A1B-4186-A2FF-DC30B0765117}" type="datetimeFigureOut">
               <a:rPr lang="en-US" smtClean="0"/>
-              <a:t>5/7/2023</a:t>
+              <a:t>5/15/2023</a:t>
             </a:fld>
             <a:endParaRPr lang="en-US"/>
           </a:p>
@@ -10265,7 +10265,7 @@
           <a:p>
             <a:fld id="{FA8F589A-1A1B-4186-A2FF-DC30B0765117}" type="datetimeFigureOut">
               <a:rPr lang="en-US" smtClean="0"/>
-              <a:t>5/7/2023</a:t>
+              <a:t>5/15/2023</a:t>
             </a:fld>
             <a:endParaRPr lang="en-US"/>
           </a:p>
@@ -10554,7 +10554,7 @@
           <a:p>
             <a:fld id="{FA8F589A-1A1B-4186-A2FF-DC30B0765117}" type="datetimeFigureOut">
               <a:rPr lang="en-US" smtClean="0"/>
-              <a:t>5/7/2023</a:t>
+              <a:t>5/15/2023</a:t>
             </a:fld>
             <a:endParaRPr lang="en-US"/>
           </a:p>
@@ -10801,7 +10801,7 @@
           <a:p>
             <a:fld id="{FA8F589A-1A1B-4186-A2FF-DC30B0765117}" type="datetimeFigureOut">
               <a:rPr lang="en-US" smtClean="0"/>
-              <a:t>5/7/2023</a:t>
+              <a:t>5/15/2023</a:t>
             </a:fld>
             <a:endParaRPr lang="en-US"/>
           </a:p>
@@ -11180,7 +11180,7 @@
           <a:p>
             <a:fld id="{FA8F589A-1A1B-4186-A2FF-DC30B0765117}" type="datetimeFigureOut">
               <a:rPr lang="en-US" smtClean="0"/>
-              <a:t>5/7/2023</a:t>
+              <a:t>5/15/2023</a:t>
             </a:fld>
             <a:endParaRPr lang="en-US"/>
           </a:p>
@@ -11298,7 +11298,7 @@
           <a:p>
             <a:fld id="{FA8F589A-1A1B-4186-A2FF-DC30B0765117}" type="datetimeFigureOut">
               <a:rPr lang="en-US" smtClean="0"/>
-              <a:t>5/7/2023</a:t>
+              <a:t>5/15/2023</a:t>
             </a:fld>
             <a:endParaRPr lang="en-US"/>
           </a:p>
@@ -11393,7 +11393,7 @@
           <a:p>
             <a:fld id="{FA8F589A-1A1B-4186-A2FF-DC30B0765117}" type="datetimeFigureOut">
               <a:rPr lang="en-US" smtClean="0"/>
-              <a:t>5/7/2023</a:t>
+              <a:t>5/15/2023</a:t>
             </a:fld>
             <a:endParaRPr lang="en-US"/>
           </a:p>
@@ -11642,7 +11642,7 @@
           <a:p>
             <a:fld id="{FA8F589A-1A1B-4186-A2FF-DC30B0765117}" type="datetimeFigureOut">
               <a:rPr lang="en-US" smtClean="0"/>
-              <a:t>5/7/2023</a:t>
+              <a:t>5/15/2023</a:t>
             </a:fld>
             <a:endParaRPr lang="en-US"/>
           </a:p>
@@ -11899,7 +11899,7 @@
           <a:p>
             <a:fld id="{FA8F589A-1A1B-4186-A2FF-DC30B0765117}" type="datetimeFigureOut">
               <a:rPr lang="en-US" smtClean="0"/>
-              <a:t>5/7/2023</a:t>
+              <a:t>5/15/2023</a:t>
             </a:fld>
             <a:endParaRPr lang="en-US"/>
           </a:p>
@@ -12142,7 +12142,7 @@
           <a:p>
             <a:fld id="{FA8F589A-1A1B-4186-A2FF-DC30B0765117}" type="datetimeFigureOut">
               <a:rPr lang="en-US" smtClean="0"/>
-              <a:t>5/7/2023</a:t>
+              <a:t>5/15/2023</a:t>
             </a:fld>
             <a:endParaRPr lang="en-US"/>
           </a:p>
@@ -13030,7 +13030,7 @@
         <p:spPr>
           <a:xfrm>
             <a:off x="685798" y="1801028"/>
-            <a:ext cx="11384281" cy="5056972"/>
+            <a:ext cx="10820403" cy="4717338"/>
           </a:xfrm>
         </p:spPr>
         <p:txBody>
@@ -13040,197 +13040,197 @@
           <a:lstStyle/>
           <a:p>
             <a:r>
-              <a:rPr lang="en-US" sz="1200" b="1" dirty="0">
+              <a:rPr lang="en-US" sz="1600" b="1" dirty="0">
                 <a:hlinkClick r:id="rId2"/>
               </a:rPr>
               <a:t>Accessibility Insights</a:t>
             </a:r>
             <a:r>
-              <a:rPr lang="en-US" sz="1200" dirty="0"/>
+              <a:rPr lang="en-US" sz="1600" dirty="0"/>
               <a:t> – A Accessibility testing tool made by Microsoft</a:t>
             </a:r>
           </a:p>
           <a:p>
             <a:pPr lvl="1"/>
             <a:r>
-              <a:rPr lang="en-US" sz="1200" dirty="0"/>
+              <a:rPr lang="en-US" sz="1600" dirty="0"/>
               <a:t>Has browser extension and desktop application versions</a:t>
             </a:r>
           </a:p>
           <a:p>
             <a:pPr lvl="1"/>
             <a:r>
-              <a:rPr lang="en-US" sz="1200" dirty="0"/>
+              <a:rPr lang="en-US" sz="1600" dirty="0"/>
               <a:t>Also have the option to include the automated tests in CI/CD</a:t>
             </a:r>
           </a:p>
           <a:p>
             <a:pPr lvl="1"/>
             <a:r>
-              <a:rPr lang="en-US" sz="1200" dirty="0"/>
+              <a:rPr lang="en-US" sz="1600" dirty="0"/>
               <a:t>DON’T depend on automated tests</a:t>
             </a:r>
           </a:p>
           <a:p>
             <a:r>
-              <a:rPr lang="en-US" sz="1200" b="1" dirty="0">
+              <a:rPr lang="en-US" sz="1600" b="1" dirty="0">
                 <a:hlinkClick r:id="rId3"/>
               </a:rPr>
               <a:t>NVDA</a:t>
             </a:r>
             <a:r>
-              <a:rPr lang="en-US" sz="1200" dirty="0"/>
+              <a:rPr lang="en-US" sz="1600" dirty="0"/>
               <a:t> – free, open-sourced screen reader</a:t>
             </a:r>
           </a:p>
           <a:p>
             <a:pPr lvl="1"/>
             <a:r>
-              <a:rPr lang="en-US" sz="1200" dirty="0"/>
+              <a:rPr lang="en-US" sz="1600" dirty="0"/>
               <a:t>View keyboard shortcuts on at the Deque article entitled: </a:t>
             </a:r>
             <a:r>
-              <a:rPr lang="en-US" sz="1200" b="1" dirty="0">
+              <a:rPr lang="en-US" sz="1600" b="1" dirty="0">
                 <a:hlinkClick r:id="rId4"/>
               </a:rPr>
               <a:t>NVDA Keyboard Shortcuts</a:t>
             </a:r>
             <a:r>
-              <a:rPr lang="en-US" sz="1200" dirty="0"/>
+              <a:rPr lang="en-US" sz="1600" dirty="0"/>
               <a:t>.</a:t>
             </a:r>
           </a:p>
           <a:p>
             <a:r>
-              <a:rPr lang="en-US" sz="1200" b="1" dirty="0"/>
+              <a:rPr lang="en-US" sz="1600" b="1" dirty="0"/>
               <a:t>Narrator</a:t>
             </a:r>
             <a:r>
-              <a:rPr lang="en-US" sz="1200" dirty="0"/>
+              <a:rPr lang="en-US" sz="1600" dirty="0"/>
               <a:t> – screen reader built-in to Windows.</a:t>
             </a:r>
           </a:p>
           <a:p>
             <a:pPr lvl="1"/>
             <a:r>
-              <a:rPr lang="en-US" sz="1200" dirty="0"/>
+              <a:rPr lang="en-US" sz="1600" dirty="0"/>
               <a:t>View keyboard shortcuts for Narrator in the Deque article entitled </a:t>
             </a:r>
             <a:r>
-              <a:rPr lang="en-US" sz="1200" b="1" dirty="0">
+              <a:rPr lang="en-US" sz="1600" b="1" dirty="0">
                 <a:hlinkClick r:id="rId5"/>
               </a:rPr>
               <a:t>Narrator Keyboard Shortcuts</a:t>
             </a:r>
             <a:r>
-              <a:rPr lang="en-US" sz="1200" dirty="0"/>
+              <a:rPr lang="en-US" sz="1600" dirty="0"/>
               <a:t>.</a:t>
             </a:r>
           </a:p>
           <a:p>
             <a:r>
-              <a:rPr lang="en-US" sz="1200" b="1" dirty="0" err="1"/>
+              <a:rPr lang="en-US" sz="1600" b="1" dirty="0" err="1"/>
               <a:t>VoiceOver</a:t>
             </a:r>
             <a:r>
-              <a:rPr lang="en-US" sz="1200" b="1" dirty="0"/>
+              <a:rPr lang="en-US" sz="1600" b="1" dirty="0"/>
               <a:t> </a:t>
             </a:r>
             <a:r>
-              <a:rPr lang="en-US" sz="1200" dirty="0"/>
+              <a:rPr lang="en-US" sz="1600" dirty="0"/>
               <a:t>– is a built screen reader found on iOS and MacOS devices.</a:t>
             </a:r>
           </a:p>
           <a:p>
             <a:r>
-              <a:rPr lang="en-US" sz="1200" b="1" dirty="0" err="1"/>
+              <a:rPr lang="en-US" sz="1600" b="1" dirty="0" err="1"/>
               <a:t>TalkBack</a:t>
             </a:r>
             <a:r>
-              <a:rPr lang="en-US" sz="1200" b="1" dirty="0"/>
+              <a:rPr lang="en-US" sz="1600" b="1" dirty="0"/>
               <a:t> </a:t>
             </a:r>
             <a:r>
-              <a:rPr lang="en-US" sz="1200" dirty="0"/>
+              <a:rPr lang="en-US" sz="1600" dirty="0"/>
               <a:t>– is a built screen reader found on iOS and MacOS devices.</a:t>
             </a:r>
           </a:p>
           <a:p>
             <a:r>
-              <a:rPr lang="en-US" sz="1200" b="1" dirty="0">
+              <a:rPr lang="en-US" sz="1600" b="1" dirty="0">
                 <a:hlinkClick r:id="rId6"/>
               </a:rPr>
               <a:t>Microsoft Accessibility</a:t>
             </a:r>
             <a:r>
-              <a:rPr lang="en-US" sz="1200" dirty="0">
+              <a:rPr lang="en-US" sz="1600" dirty="0">
                 <a:hlinkClick r:id="rId6"/>
               </a:rPr>
               <a:t> </a:t>
             </a:r>
             <a:r>
-              <a:rPr lang="en-US" sz="1200" dirty="0"/>
+              <a:rPr lang="en-US" sz="1600" dirty="0"/>
               <a:t>on Twitter at </a:t>
             </a:r>
             <a:r>
-              <a:rPr lang="en-US" sz="1200" b="1" dirty="0">
+              <a:rPr lang="en-US" sz="1600" b="1" dirty="0">
                 <a:hlinkClick r:id="rId7"/>
               </a:rPr>
               <a:t>@MSFTEnable</a:t>
             </a:r>
             <a:r>
-              <a:rPr lang="en-US" sz="1200" b="1" dirty="0"/>
+              <a:rPr lang="en-US" sz="1600" b="1" dirty="0"/>
               <a:t> </a:t>
             </a:r>
             <a:r>
-              <a:rPr lang="en-US" sz="1200" dirty="0"/>
+              <a:rPr lang="en-US" sz="1600" dirty="0"/>
               <a:t>and at on the </a:t>
             </a:r>
             <a:r>
-              <a:rPr lang="en-US" sz="1200" dirty="0">
+              <a:rPr lang="en-US" sz="1600" dirty="0">
                 <a:hlinkClick r:id="rId6"/>
               </a:rPr>
               <a:t>Microsoft Accessibility page</a:t>
             </a:r>
             <a:r>
-              <a:rPr lang="en-US" sz="1200" dirty="0"/>
+              <a:rPr lang="en-US" sz="1600" dirty="0"/>
               <a:t>.</a:t>
             </a:r>
-            <a:endParaRPr lang="en-US" sz="1200" b="1" dirty="0"/>
-          </a:p>
-          <a:p>
-            <a:r>
-              <a:rPr lang="en-US" sz="1200" b="1" dirty="0">
+            <a:endParaRPr lang="en-US" sz="1600" b="1" dirty="0"/>
+          </a:p>
+          <a:p>
+            <a:r>
+              <a:rPr lang="en-US" sz="1600" b="1" dirty="0">
                 <a:hlinkClick r:id="rId8"/>
               </a:rPr>
               <a:t>Microsoft Accessibility Fundamentals course</a:t>
             </a:r>
-            <a:endParaRPr lang="en-US" sz="1200" b="1" dirty="0"/>
-          </a:p>
-          <a:p>
-            <a:r>
-              <a:rPr lang="en-US" sz="1200" b="1" dirty="0">
+            <a:endParaRPr lang="en-US" sz="1600" b="1" dirty="0"/>
+          </a:p>
+          <a:p>
+            <a:r>
+              <a:rPr lang="en-US" sz="1600" b="1" dirty="0">
                 <a:hlinkClick r:id="rId9"/>
               </a:rPr>
               <a:t>ANDI</a:t>
             </a:r>
             <a:r>
-              <a:rPr lang="en-US" sz="1200" b="1" dirty="0"/>
+              <a:rPr lang="en-US" sz="1600" b="1" dirty="0"/>
               <a:t> – </a:t>
             </a:r>
             <a:r>
-              <a:rPr lang="en-US" sz="1200" dirty="0"/>
+              <a:rPr lang="en-US" sz="1600" dirty="0"/>
               <a:t>Bookmark applet developed by the Social Security Administration to aid in Accessibility testing.</a:t>
             </a:r>
           </a:p>
           <a:p>
             <a:r>
-              <a:rPr lang="it-IT" sz="1200" dirty="0">
+              <a:rPr lang="it-IT" sz="1600" dirty="0">
                 <a:hlinkClick r:id="rId10"/>
               </a:rPr>
               <a:t>Accessibility - Erissa Duvall (corgidev.com)</a:t>
             </a:r>
-            <a:endParaRPr lang="en-US" sz="1200" dirty="0"/>
+            <a:endParaRPr lang="en-US" sz="1600" dirty="0"/>
           </a:p>
         </p:txBody>
       </p:sp>
@@ -14364,7 +14364,7 @@
         </p:spPr>
         <p:txBody>
           <a:bodyPr>
-            <a:normAutofit/>
+            <a:normAutofit lnSpcReduction="10000"/>
           </a:bodyPr>
           <a:lstStyle/>
           <a:p>
@@ -14393,7 +14393,7 @@
             <a:pPr lvl="1"/>
             <a:r>
               <a:rPr lang="en-US" sz="2200" dirty="0"/>
-              <a:t>Specific browsers or devices if environment is limited to certain ones</a:t>
+              <a:t>Chrome, Firefox, Edge, or other browsers</a:t>
             </a:r>
           </a:p>
           <a:p>
@@ -14425,7 +14425,19 @@
             </a:r>
             <a:r>
               <a:rPr lang="en-US" sz="2200" dirty="0"/>
-              <a:t> - This Baseline identifies the minimum requirements of any test process used to determine conformance of web content with the Revised Section 508 of the Rehabilitation Act of 1973, as amended (29 U.S.C. 794d).</a:t>
+              <a:t> - This Baseline identifies the minimum requirements of any test process used to determine conformance of web content with the Revised Section 508 of the Rehabilitation Act of 1973, as amended (29 U.S.C. 794d)</a:t>
+            </a:r>
+          </a:p>
+          <a:p>
+            <a:r>
+              <a:rPr lang="en-US" sz="2400" dirty="0"/>
+              <a:t>Shift left</a:t>
+            </a:r>
+          </a:p>
+          <a:p>
+            <a:r>
+              <a:rPr lang="en-US" sz="2400" dirty="0"/>
+              <a:t>Nothing without us</a:t>
             </a:r>
           </a:p>
         </p:txBody>

--- a/Presenations/Upcoming Talk Drafts/2023_Accessibility Testing.pptx
+++ b/Presenations/Upcoming Talk Drafts/2023_Accessibility Testing.pptx
@@ -5794,7 +5794,7 @@
           <a:p>
             <a:fld id="{BEFAACEF-CC9A-483E-9B56-DECAFB57975A}" type="datetimeFigureOut">
               <a:rPr lang="en-US" smtClean="0"/>
-              <a:t>5/15/2023</a:t>
+              <a:t>5/16/2023</a:t>
             </a:fld>
             <a:endParaRPr lang="en-US"/>
           </a:p>
@@ -6193,6 +6193,90 @@
 </p:notes>
 </file>
 
+<file path=ppt/notesSlides/notesSlide10.xml><?xml version="1.0" encoding="utf-8"?>
+<p:notes xmlns:a="http://schemas.openxmlformats.org/drawingml/2006/main" xmlns:r="http://schemas.openxmlformats.org/officeDocument/2006/relationships" xmlns:p="http://schemas.openxmlformats.org/presentationml/2006/main">
+  <p:cSld>
+    <p:spTree>
+      <p:nvGrpSpPr>
+        <p:cNvPr id="1" name=""/>
+        <p:cNvGrpSpPr/>
+        <p:nvPr/>
+      </p:nvGrpSpPr>
+      <p:grpSpPr>
+        <a:xfrm>
+          <a:off x="0" y="0"/>
+          <a:ext cx="0" cy="0"/>
+          <a:chOff x="0" y="0"/>
+          <a:chExt cx="0" cy="0"/>
+        </a:xfrm>
+      </p:grpSpPr>
+      <p:sp>
+        <p:nvSpPr>
+          <p:cNvPr id="2" name="Slide Image Placeholder 1"/>
+          <p:cNvSpPr>
+            <a:spLocks noGrp="1" noRot="1" noChangeAspect="1"/>
+          </p:cNvSpPr>
+          <p:nvPr>
+            <p:ph type="sldImg"/>
+          </p:nvPr>
+        </p:nvSpPr>
+        <p:spPr/>
+      </p:sp>
+      <p:sp>
+        <p:nvSpPr>
+          <p:cNvPr id="3" name="Notes Placeholder 2"/>
+          <p:cNvSpPr>
+            <a:spLocks noGrp="1"/>
+          </p:cNvSpPr>
+          <p:nvPr>
+            <p:ph type="body" idx="1"/>
+          </p:nvPr>
+        </p:nvSpPr>
+        <p:spPr/>
+        <p:txBody>
+          <a:bodyPr/>
+          <a:lstStyle/>
+          <a:p>
+            <a:endParaRPr lang="en-US"/>
+          </a:p>
+        </p:txBody>
+      </p:sp>
+      <p:sp>
+        <p:nvSpPr>
+          <p:cNvPr id="4" name="Slide Number Placeholder 3"/>
+          <p:cNvSpPr>
+            <a:spLocks noGrp="1"/>
+          </p:cNvSpPr>
+          <p:nvPr>
+            <p:ph type="sldNum" sz="quarter" idx="5"/>
+          </p:nvPr>
+        </p:nvSpPr>
+        <p:spPr/>
+        <p:txBody>
+          <a:bodyPr/>
+          <a:lstStyle/>
+          <a:p>
+            <a:fld id="{297094E8-3009-47D0-9423-EBC369D53B0E}" type="slidenum">
+              <a:rPr lang="en-US" smtClean="0"/>
+              <a:t>14</a:t>
+            </a:fld>
+            <a:endParaRPr lang="en-US"/>
+          </a:p>
+        </p:txBody>
+      </p:sp>
+    </p:spTree>
+    <p:extLst>
+      <p:ext uri="{BB962C8B-B14F-4D97-AF65-F5344CB8AC3E}">
+        <p14:creationId xmlns:p14="http://schemas.microsoft.com/office/powerpoint/2010/main" val="2776525666"/>
+      </p:ext>
+    </p:extLst>
+  </p:cSld>
+  <p:clrMapOvr>
+    <a:masterClrMapping/>
+  </p:clrMapOvr>
+</p:notes>
+</file>
+
 <file path=ppt/notesSlides/notesSlide2.xml><?xml version="1.0" encoding="utf-8"?>
 <p:notes xmlns:a="http://schemas.openxmlformats.org/drawingml/2006/main" xmlns:r="http://schemas.openxmlformats.org/officeDocument/2006/relationships" xmlns:p="http://schemas.openxmlformats.org/presentationml/2006/main">
   <p:cSld>
@@ -6515,7 +6599,18 @@
           <a:bodyPr/>
           <a:lstStyle/>
           <a:p>
-            <a:endParaRPr lang="en-US" dirty="0"/>
+            <a:r>
+              <a:rPr lang="en-US" dirty="0"/>
+              <a:t>Technically the screenshots I have here are of the browser extension version of Accessibility Insights, but it also has 2 Desktop applications, one for testing Windows applications and websites and one for testing Android apps. It is built on Axe Core. Axe </a:t>
+            </a:r>
+            <a:r>
+              <a:rPr lang="en-US" dirty="0" err="1"/>
+              <a:t>DevTools</a:t>
+            </a:r>
+            <a:r>
+              <a:rPr lang="en-US" dirty="0"/>
+              <a:t> provides a similar browser extension as well.</a:t>
+            </a:r>
           </a:p>
         </p:txBody>
       </p:sp>
@@ -7075,7 +7170,7 @@
           <a:p>
             <a:fld id="{FA8F589A-1A1B-4186-A2FF-DC30B0765117}" type="datetimeFigureOut">
               <a:rPr lang="en-US" smtClean="0"/>
-              <a:t>5/15/2023</a:t>
+              <a:t>5/16/2023</a:t>
             </a:fld>
             <a:endParaRPr lang="en-US"/>
           </a:p>
@@ -7347,7 +7442,7 @@
           <a:p>
             <a:fld id="{FA8F589A-1A1B-4186-A2FF-DC30B0765117}" type="datetimeFigureOut">
               <a:rPr lang="en-US" smtClean="0"/>
-              <a:t>5/15/2023</a:t>
+              <a:t>5/16/2023</a:t>
             </a:fld>
             <a:endParaRPr lang="en-US"/>
           </a:p>
@@ -7578,7 +7673,7 @@
           <a:p>
             <a:fld id="{FA8F589A-1A1B-4186-A2FF-DC30B0765117}" type="datetimeFigureOut">
               <a:rPr lang="en-US" smtClean="0"/>
-              <a:t>5/15/2023</a:t>
+              <a:t>5/16/2023</a:t>
             </a:fld>
             <a:endParaRPr lang="en-US"/>
           </a:p>
@@ -7888,7 +7983,7 @@
           <a:p>
             <a:fld id="{FA8F589A-1A1B-4186-A2FF-DC30B0765117}" type="datetimeFigureOut">
               <a:rPr lang="en-US" smtClean="0"/>
-              <a:t>5/15/2023</a:t>
+              <a:t>5/16/2023</a:t>
             </a:fld>
             <a:endParaRPr lang="en-US"/>
           </a:p>
@@ -8361,7 +8456,7 @@
           <a:p>
             <a:fld id="{FA8F589A-1A1B-4186-A2FF-DC30B0765117}" type="datetimeFigureOut">
               <a:rPr lang="en-US" smtClean="0"/>
-              <a:t>5/15/2023</a:t>
+              <a:t>5/16/2023</a:t>
             </a:fld>
             <a:endParaRPr lang="en-US"/>
           </a:p>
@@ -8908,7 +9003,7 @@
           <a:p>
             <a:fld id="{FA8F589A-1A1B-4186-A2FF-DC30B0765117}" type="datetimeFigureOut">
               <a:rPr lang="en-US" smtClean="0"/>
-              <a:t>5/15/2023</a:t>
+              <a:t>5/16/2023</a:t>
             </a:fld>
             <a:endParaRPr lang="en-US"/>
           </a:p>
@@ -9682,7 +9777,7 @@
           <a:p>
             <a:fld id="{FA8F589A-1A1B-4186-A2FF-DC30B0765117}" type="datetimeFigureOut">
               <a:rPr lang="en-US" smtClean="0"/>
-              <a:t>5/15/2023</a:t>
+              <a:t>5/16/2023</a:t>
             </a:fld>
             <a:endParaRPr lang="en-US"/>
           </a:p>
@@ -9857,7 +9952,7 @@
           <a:p>
             <a:fld id="{FA8F589A-1A1B-4186-A2FF-DC30B0765117}" type="datetimeFigureOut">
               <a:rPr lang="en-US" smtClean="0"/>
-              <a:t>5/15/2023</a:t>
+              <a:t>5/16/2023</a:t>
             </a:fld>
             <a:endParaRPr lang="en-US"/>
           </a:p>
@@ -10080,7 +10175,7 @@
           <a:p>
             <a:fld id="{FA8F589A-1A1B-4186-A2FF-DC30B0765117}" type="datetimeFigureOut">
               <a:rPr lang="en-US" smtClean="0"/>
-              <a:t>5/15/2023</a:t>
+              <a:t>5/16/2023</a:t>
             </a:fld>
             <a:endParaRPr lang="en-US"/>
           </a:p>
@@ -10265,7 +10360,7 @@
           <a:p>
             <a:fld id="{FA8F589A-1A1B-4186-A2FF-DC30B0765117}" type="datetimeFigureOut">
               <a:rPr lang="en-US" smtClean="0"/>
-              <a:t>5/15/2023</a:t>
+              <a:t>5/16/2023</a:t>
             </a:fld>
             <a:endParaRPr lang="en-US"/>
           </a:p>
@@ -10554,7 +10649,7 @@
           <a:p>
             <a:fld id="{FA8F589A-1A1B-4186-A2FF-DC30B0765117}" type="datetimeFigureOut">
               <a:rPr lang="en-US" smtClean="0"/>
-              <a:t>5/15/2023</a:t>
+              <a:t>5/16/2023</a:t>
             </a:fld>
             <a:endParaRPr lang="en-US"/>
           </a:p>
@@ -10801,7 +10896,7 @@
           <a:p>
             <a:fld id="{FA8F589A-1A1B-4186-A2FF-DC30B0765117}" type="datetimeFigureOut">
               <a:rPr lang="en-US" smtClean="0"/>
-              <a:t>5/15/2023</a:t>
+              <a:t>5/16/2023</a:t>
             </a:fld>
             <a:endParaRPr lang="en-US"/>
           </a:p>
@@ -11180,7 +11275,7 @@
           <a:p>
             <a:fld id="{FA8F589A-1A1B-4186-A2FF-DC30B0765117}" type="datetimeFigureOut">
               <a:rPr lang="en-US" smtClean="0"/>
-              <a:t>5/15/2023</a:t>
+              <a:t>5/16/2023</a:t>
             </a:fld>
             <a:endParaRPr lang="en-US"/>
           </a:p>
@@ -11298,7 +11393,7 @@
           <a:p>
             <a:fld id="{FA8F589A-1A1B-4186-A2FF-DC30B0765117}" type="datetimeFigureOut">
               <a:rPr lang="en-US" smtClean="0"/>
-              <a:t>5/15/2023</a:t>
+              <a:t>5/16/2023</a:t>
             </a:fld>
             <a:endParaRPr lang="en-US"/>
           </a:p>
@@ -11393,7 +11488,7 @@
           <a:p>
             <a:fld id="{FA8F589A-1A1B-4186-A2FF-DC30B0765117}" type="datetimeFigureOut">
               <a:rPr lang="en-US" smtClean="0"/>
-              <a:t>5/15/2023</a:t>
+              <a:t>5/16/2023</a:t>
             </a:fld>
             <a:endParaRPr lang="en-US"/>
           </a:p>
@@ -11642,7 +11737,7 @@
           <a:p>
             <a:fld id="{FA8F589A-1A1B-4186-A2FF-DC30B0765117}" type="datetimeFigureOut">
               <a:rPr lang="en-US" smtClean="0"/>
-              <a:t>5/15/2023</a:t>
+              <a:t>5/16/2023</a:t>
             </a:fld>
             <a:endParaRPr lang="en-US"/>
           </a:p>
@@ -11899,7 +11994,7 @@
           <a:p>
             <a:fld id="{FA8F589A-1A1B-4186-A2FF-DC30B0765117}" type="datetimeFigureOut">
               <a:rPr lang="en-US" smtClean="0"/>
-              <a:t>5/15/2023</a:t>
+              <a:t>5/16/2023</a:t>
             </a:fld>
             <a:endParaRPr lang="en-US"/>
           </a:p>
@@ -12142,7 +12237,7 @@
           <a:p>
             <a:fld id="{FA8F589A-1A1B-4186-A2FF-DC30B0765117}" type="datetimeFigureOut">
               <a:rPr lang="en-US" smtClean="0"/>
-              <a:t>5/15/2023</a:t>
+              <a:t>5/16/2023</a:t>
             </a:fld>
             <a:endParaRPr lang="en-US"/>
           </a:p>
@@ -12665,7 +12760,7 @@
       </p:sp>
       <p:pic>
         <p:nvPicPr>
-          <p:cNvPr id="4" name="Picture 3">
+          <p:cNvPr id="4" name="Picture 3" descr="Visual ARIA example showing a page where individual areas with aria attributes are outlined with the aria applied to them listed within the outline.">
             <a:extLst>
               <a:ext uri="{FF2B5EF4-FFF2-40B4-BE49-F238E27FC236}">
                 <a16:creationId xmlns:a16="http://schemas.microsoft.com/office/drawing/2014/main" id="{8DA6D16C-1929-E53F-F3AA-EFD613180375}"/>
@@ -12685,7 +12780,7 @@
         </p:blipFill>
         <p:spPr>
           <a:xfrm>
-            <a:off x="0" y="1615827"/>
+            <a:off x="235132" y="1892516"/>
             <a:ext cx="6801799" cy="4201111"/>
           </a:xfrm>
           <a:prstGeom prst="rect">
@@ -13457,7 +13552,7 @@
             </a:r>
             <a:r>
               <a:rPr lang="en-US" sz="1800" b="1" dirty="0">
-                <a:hlinkClick r:id="rId2"/>
+                <a:hlinkClick r:id="rId3"/>
               </a:rPr>
               <a:t>https://linktr.ee/corgidev</a:t>
             </a:r>
@@ -13466,7 +13561,7 @@
           <a:p>
             <a:r>
               <a:rPr lang="en-US" sz="1800" b="1" dirty="0">
-                <a:hlinkClick r:id="rId3"/>
+                <a:hlinkClick r:id="rId4"/>
               </a:rPr>
               <a:t>https://corgidev.com</a:t>
             </a:r>
@@ -13482,7 +13577,7 @@
       </p:sp>
       <p:pic>
         <p:nvPicPr>
-          <p:cNvPr id="4" name="Picture 3" descr="Icon&#10;&#10;Description automatically generated">
+          <p:cNvPr id="4" name="Picture 3" descr="CorgiDev logo">
             <a:extLst>
               <a:ext uri="{FF2B5EF4-FFF2-40B4-BE49-F238E27FC236}">
                 <a16:creationId xmlns:a16="http://schemas.microsoft.com/office/drawing/2014/main" id="{E92BE2C1-9A47-DD71-9782-E08E4DC019CD}"/>
@@ -13495,7 +13590,7 @@
           <p:nvPr/>
         </p:nvPicPr>
         <p:blipFill>
-          <a:blip r:embed="rId4">
+          <a:blip r:embed="rId5">
             <a:extLst>
               <a:ext uri="{28A0092B-C50C-407E-A947-70E740481C1C}">
                 <a14:useLocalDpi xmlns:a14="http://schemas.microsoft.com/office/drawing/2010/main" val="0"/>
@@ -13704,7 +13799,7 @@
       </p:sp>
       <p:graphicFrame>
         <p:nvGraphicFramePr>
-          <p:cNvPr id="12" name="Content Placeholder 2">
+          <p:cNvPr id="12" name="Content Placeholder 2" descr="Accessibility Terms">
             <a:extLst>
               <a:ext uri="{FF2B5EF4-FFF2-40B4-BE49-F238E27FC236}">
                 <a16:creationId xmlns:a16="http://schemas.microsoft.com/office/drawing/2014/main" id="{962B2CBF-3195-8459-5585-48CC0AA02536}"/>
@@ -13718,7 +13813,7 @@
             <p:ph idx="1"/>
             <p:extLst>
               <p:ext uri="{D42A27DB-BD31-4B8C-83A1-F6EECF244321}">
-                <p14:modId xmlns:p14="http://schemas.microsoft.com/office/powerpoint/2010/main" val="4115573652"/>
+                <p14:modId xmlns:p14="http://schemas.microsoft.com/office/powerpoint/2010/main" val="767027369"/>
               </p:ext>
             </p:extLst>
           </p:nvPr>
@@ -13735,10 +13830,13 @@
       </p:graphicFrame>
       <p:grpSp>
         <p:nvGrpSpPr>
-          <p:cNvPr id="10" name="Group 9" descr="A person confused with a thought bubble above there head that contains a person moving forward in a wheelchair.">
+          <p:cNvPr id="10" name="Group 9">
             <a:extLst>
               <a:ext uri="{FF2B5EF4-FFF2-40B4-BE49-F238E27FC236}">
                 <a16:creationId xmlns:a16="http://schemas.microsoft.com/office/drawing/2014/main" id="{19614152-6E06-9162-EB9C-FF143AF21290}"/>
+              </a:ext>
+              <a:ext uri="{C183D7F6-B498-43B3-948B-1728B52AA6E4}">
+                <adec:decorative xmlns:adec="http://schemas.microsoft.com/office/drawing/2017/decorative" val="1"/>
               </a:ext>
             </a:extLst>
           </p:cNvPr>
@@ -13938,7 +14036,7 @@
       </p:sp>
       <p:graphicFrame>
         <p:nvGraphicFramePr>
-          <p:cNvPr id="6" name="Content Placeholder 2">
+          <p:cNvPr id="6" name="Content Placeholder 2" descr="Example Accessibility Categories and subcategories">
             <a:extLst>
               <a:ext uri="{FF2B5EF4-FFF2-40B4-BE49-F238E27FC236}">
                 <a16:creationId xmlns:a16="http://schemas.microsoft.com/office/drawing/2014/main" id="{FA820D58-D4E6-FBFE-77ED-DD49F7FAC9D2}"/>
@@ -13952,7 +14050,7 @@
             <p:ph idx="1"/>
             <p:extLst>
               <p:ext uri="{D42A27DB-BD31-4B8C-83A1-F6EECF244321}">
-                <p14:modId xmlns:p14="http://schemas.microsoft.com/office/powerpoint/2010/main" val="1503076701"/>
+                <p14:modId xmlns:p14="http://schemas.microsoft.com/office/powerpoint/2010/main" val="589986761"/>
               </p:ext>
             </p:extLst>
           </p:nvPr>
@@ -14507,14 +14605,14 @@
             </a:br>
             <a:r>
               <a:rPr lang="en-US" sz="1800" dirty="0"/>
-              <a:t>Accessibility Insights</a:t>
+              <a:t>Microsoft Accessibility Insights</a:t>
             </a:r>
           </a:p>
         </p:txBody>
       </p:sp>
       <p:pic>
         <p:nvPicPr>
-          <p:cNvPr id="11" name="Picture 10">
+          <p:cNvPr id="11" name="Picture 10" descr="Accessibility Insights window showing the options to run &quot;FastPass&quot;, &quot;Assessment&quot;, or &quot;Ad Hoc tools&quot;.">
             <a:extLst>
               <a:ext uri="{FF2B5EF4-FFF2-40B4-BE49-F238E27FC236}">
                 <a16:creationId xmlns:a16="http://schemas.microsoft.com/office/drawing/2014/main" id="{2C79188B-900F-6F40-3348-B3D4D7755A38}"/>
@@ -14534,7 +14632,7 @@
         </p:blipFill>
         <p:spPr>
           <a:xfrm>
-            <a:off x="52252" y="2259875"/>
+            <a:off x="304466" y="2259875"/>
             <a:ext cx="2846079" cy="3045304"/>
           </a:xfrm>
           <a:prstGeom prst="rect">
@@ -14572,7 +14670,7 @@
       </p:pic>
       <p:pic>
         <p:nvPicPr>
-          <p:cNvPr id="13" name="Picture 12" descr="A screenshot of a computer&#10;&#10;Description automatically generated with medium confidence">
+          <p:cNvPr id="13" name="Picture 12" descr="Accessibility Insights assessment window displaying a full assessment with automated tests followed by a list of manual tests an individual can run and mark as pass or fail.">
             <a:extLst>
               <a:ext uri="{FF2B5EF4-FFF2-40B4-BE49-F238E27FC236}">
                 <a16:creationId xmlns:a16="http://schemas.microsoft.com/office/drawing/2014/main" id="{1E87AF6B-2813-FE8F-15DD-409C6A4E56A9}"/>
@@ -14598,8 +14696,8 @@
         </p:blipFill>
         <p:spPr>
           <a:xfrm>
-            <a:off x="2960102" y="1737361"/>
-            <a:ext cx="4525921" cy="4754879"/>
+            <a:off x="3455010" y="1874407"/>
+            <a:ext cx="3632480" cy="3816240"/>
           </a:xfrm>
           <a:prstGeom prst="rect">
             <a:avLst/>
@@ -14608,7 +14706,7 @@
       </p:pic>
       <p:pic>
         <p:nvPicPr>
-          <p:cNvPr id="15" name="Picture 14" descr="A screenshot of a computer&#10;&#10;Description automatically generated">
+          <p:cNvPr id="15" name="Picture 14" descr="Accessibility Insights FastPass window displaying the results of a FastPass automated test run.">
             <a:extLst>
               <a:ext uri="{FF2B5EF4-FFF2-40B4-BE49-F238E27FC236}">
                 <a16:creationId xmlns:a16="http://schemas.microsoft.com/office/drawing/2014/main" id="{DF25FCB9-0463-34C2-709B-8B7DAF3D9851}"/>
@@ -14634,7 +14732,7 @@
         </p:blipFill>
         <p:spPr>
           <a:xfrm>
-            <a:off x="7547795" y="2057401"/>
+            <a:off x="7391955" y="1986384"/>
             <a:ext cx="4495579" cy="3592286"/>
           </a:xfrm>
           <a:prstGeom prst="rect">
@@ -14719,7 +14817,37 @@
       </p:sp>
       <p:pic>
         <p:nvPicPr>
-          <p:cNvPr id="1028" name="Picture 4" descr="color contrast analyser">
+          <p:cNvPr id="4" name="Picture 3" descr="Color Contrast Analyzer screen showing an example of a color pair that fail all WCAG color contrast minimums.">
+            <a:extLst>
+              <a:ext uri="{FF2B5EF4-FFF2-40B4-BE49-F238E27FC236}">
+                <a16:creationId xmlns:a16="http://schemas.microsoft.com/office/drawing/2014/main" id="{72C8378D-491E-836F-F026-0F98EFE3A833}"/>
+              </a:ext>
+            </a:extLst>
+          </p:cNvPr>
+          <p:cNvPicPr>
+            <a:picLocks noChangeAspect="1"/>
+          </p:cNvPicPr>
+          <p:nvPr/>
+        </p:nvPicPr>
+        <p:blipFill>
+          <a:blip r:embed="rId3"/>
+          <a:stretch>
+            <a:fillRect/>
+          </a:stretch>
+        </p:blipFill>
+        <p:spPr>
+          <a:xfrm>
+            <a:off x="921411" y="1449976"/>
+            <a:ext cx="3343609" cy="5251269"/>
+          </a:xfrm>
+          <a:prstGeom prst="rect">
+            <a:avLst/>
+          </a:prstGeom>
+        </p:spPr>
+      </p:pic>
+      <p:pic>
+        <p:nvPicPr>
+          <p:cNvPr id="1028" name="Picture 4" descr="Color Contrast Analyzer screen showing an example of a color pair that pass all WCAG color contrast minimums.">
             <a:extLst>
               <a:ext uri="{FF2B5EF4-FFF2-40B4-BE49-F238E27FC236}">
                 <a16:creationId xmlns:a16="http://schemas.microsoft.com/office/drawing/2014/main" id="{ACAFF723-4DD0-98DC-D77F-DC636D6C59BB}"/>
@@ -14732,7 +14860,7 @@
           <p:nvPr/>
         </p:nvPicPr>
         <p:blipFill>
-          <a:blip r:embed="rId3">
+          <a:blip r:embed="rId4">
             <a:extLst>
               <a:ext uri="{28A0092B-C50C-407E-A947-70E740481C1C}">
                 <a14:useLocalDpi xmlns:a14="http://schemas.microsoft.com/office/drawing/2010/main" val="0"/>
@@ -14746,7 +14874,7 @@
         </p:blipFill>
         <p:spPr bwMode="auto">
           <a:xfrm>
-            <a:off x="4180726" y="1749380"/>
+            <a:off x="4977560" y="1749379"/>
             <a:ext cx="3830547" cy="4951866"/>
           </a:xfrm>
           <a:prstGeom prst="rect">
@@ -14762,36 +14890,6 @@
               </a14:hiddenFill>
             </a:ext>
           </a:extLst>
-        </p:spPr>
-      </p:pic>
-      <p:pic>
-        <p:nvPicPr>
-          <p:cNvPr id="4" name="Picture 3">
-            <a:extLst>
-              <a:ext uri="{FF2B5EF4-FFF2-40B4-BE49-F238E27FC236}">
-                <a16:creationId xmlns:a16="http://schemas.microsoft.com/office/drawing/2014/main" id="{72C8378D-491E-836F-F026-0F98EFE3A833}"/>
-              </a:ext>
-            </a:extLst>
-          </p:cNvPr>
-          <p:cNvPicPr>
-            <a:picLocks noChangeAspect="1"/>
-          </p:cNvPicPr>
-          <p:nvPr/>
-        </p:nvPicPr>
-        <p:blipFill>
-          <a:blip r:embed="rId4"/>
-          <a:stretch>
-            <a:fillRect/>
-          </a:stretch>
-        </p:blipFill>
-        <p:spPr>
-          <a:xfrm>
-            <a:off x="240787" y="1449977"/>
-            <a:ext cx="3343609" cy="5251269"/>
-          </a:xfrm>
-          <a:prstGeom prst="rect">
-            <a:avLst/>
-          </a:prstGeom>
         </p:spPr>
       </p:pic>
     </p:spTree>
